--- a/디지털 영상처리/디지털영상처리(Homework#03).pptx
+++ b/디지털 영상처리/디지털영상처리(Homework#03).pptx
@@ -1,8 +1,8 @@
 
 <file path=ppt/presentation.xml><?xml version="1.0" encoding="utf-8"?>
-<p:presentation xmlns:a="http://schemas.openxmlformats.org/drawingml/2006/main" xmlns:r="http://schemas.openxmlformats.org/officeDocument/2006/relationships" xmlns:p="http://schemas.openxmlformats.org/presentationml/2006/main" saveSubsetFonts="1">
+<p:presentation xmlns:a="http://schemas.openxmlformats.org/drawingml/2006/main" xmlns:r="http://schemas.openxmlformats.org/officeDocument/2006/relationships" xmlns:p="http://schemas.openxmlformats.org/presentationml/2006/main">
   <p:sldMasterIdLst>
-    <p:sldMasterId id="2147483672" r:id="rId1"/>
+    <p:sldMasterId id="2147483684" r:id="rId1"/>
   </p:sldMasterIdLst>
   <p:sldIdLst>
     <p:sldId id="256" r:id="rId2"/>
@@ -106,7 +106,18 @@
   </p:defaultTextStyle>
   <p:extLst>
     <p:ext uri="{EFAFB233-063F-42B5-8137-9DF3F51BA10A}">
-      <p15:sldGuideLst xmlns:p15="http://schemas.microsoft.com/office/powerpoint/2012/main"/>
+      <p15:sldGuideLst xmlns:p15="http://schemas.microsoft.com/office/powerpoint/2012/main">
+        <p15:guide id="1" orient="horz" pos="3118">
+          <p15:clr>
+            <a:srgbClr val="A4A3A4"/>
+          </p15:clr>
+        </p15:guide>
+        <p15:guide id="2" pos="2158">
+          <p15:clr>
+            <a:srgbClr val="A4A3A4"/>
+          </p15:clr>
+        </p15:guide>
+      </p15:sldGuideLst>
     </p:ext>
   </p:extLst>
 </p:presentation>
@@ -243,7 +254,7 @@
           <a:p>
             <a:fld id="{60A20359-8CA1-4405-8BAD-787A69404068}" type="datetimeFigureOut">
               <a:rPr lang="ko-KR" altLang="en-US" smtClean="0"/>
-              <a:t>2021. 4. 9.</a:t>
+              <a:t>2021-04-23</a:t>
             </a:fld>
             <a:endParaRPr lang="ko-KR" altLang="en-US"/>
           </a:p>
@@ -413,7 +424,7 @@
           <a:p>
             <a:fld id="{60A20359-8CA1-4405-8BAD-787A69404068}" type="datetimeFigureOut">
               <a:rPr lang="ko-KR" altLang="en-US" smtClean="0"/>
-              <a:t>2021. 4. 9.</a:t>
+              <a:t>2021-04-23</a:t>
             </a:fld>
             <a:endParaRPr lang="ko-KR" altLang="en-US"/>
           </a:p>
@@ -593,7 +604,7 @@
           <a:p>
             <a:fld id="{60A20359-8CA1-4405-8BAD-787A69404068}" type="datetimeFigureOut">
               <a:rPr lang="ko-KR" altLang="en-US" smtClean="0"/>
-              <a:t>2021. 4. 9.</a:t>
+              <a:t>2021-04-23</a:t>
             </a:fld>
             <a:endParaRPr lang="ko-KR" altLang="en-US"/>
           </a:p>
@@ -763,7 +774,7 @@
           <a:p>
             <a:fld id="{60A20359-8CA1-4405-8BAD-787A69404068}" type="datetimeFigureOut">
               <a:rPr lang="ko-KR" altLang="en-US" smtClean="0"/>
-              <a:t>2021. 4. 9.</a:t>
+              <a:t>2021-04-23</a:t>
             </a:fld>
             <a:endParaRPr lang="ko-KR" altLang="en-US"/>
           </a:p>
@@ -1007,7 +1018,7 @@
           <a:p>
             <a:fld id="{60A20359-8CA1-4405-8BAD-787A69404068}" type="datetimeFigureOut">
               <a:rPr lang="ko-KR" altLang="en-US" smtClean="0"/>
-              <a:t>2021. 4. 9.</a:t>
+              <a:t>2021-04-23</a:t>
             </a:fld>
             <a:endParaRPr lang="ko-KR" altLang="en-US"/>
           </a:p>
@@ -1239,7 +1250,7 @@
           <a:p>
             <a:fld id="{60A20359-8CA1-4405-8BAD-787A69404068}" type="datetimeFigureOut">
               <a:rPr lang="ko-KR" altLang="en-US" smtClean="0"/>
-              <a:t>2021. 4. 9.</a:t>
+              <a:t>2021-04-23</a:t>
             </a:fld>
             <a:endParaRPr lang="ko-KR" altLang="en-US"/>
           </a:p>
@@ -1606,7 +1617,7 @@
           <a:p>
             <a:fld id="{60A20359-8CA1-4405-8BAD-787A69404068}" type="datetimeFigureOut">
               <a:rPr lang="ko-KR" altLang="en-US" smtClean="0"/>
-              <a:t>2021. 4. 9.</a:t>
+              <a:t>2021-04-23</a:t>
             </a:fld>
             <a:endParaRPr lang="ko-KR" altLang="en-US"/>
           </a:p>
@@ -1724,7 +1735,7 @@
           <a:p>
             <a:fld id="{60A20359-8CA1-4405-8BAD-787A69404068}" type="datetimeFigureOut">
               <a:rPr lang="ko-KR" altLang="en-US" smtClean="0"/>
-              <a:t>2021. 4. 9.</a:t>
+              <a:t>2021-04-23</a:t>
             </a:fld>
             <a:endParaRPr lang="ko-KR" altLang="en-US"/>
           </a:p>
@@ -1819,7 +1830,7 @@
           <a:p>
             <a:fld id="{60A20359-8CA1-4405-8BAD-787A69404068}" type="datetimeFigureOut">
               <a:rPr lang="ko-KR" altLang="en-US" smtClean="0"/>
-              <a:t>2021. 4. 9.</a:t>
+              <a:t>2021-04-23</a:t>
             </a:fld>
             <a:endParaRPr lang="ko-KR" altLang="en-US"/>
           </a:p>
@@ -2096,7 +2107,7 @@
           <a:p>
             <a:fld id="{60A20359-8CA1-4405-8BAD-787A69404068}" type="datetimeFigureOut">
               <a:rPr lang="ko-KR" altLang="en-US" smtClean="0"/>
-              <a:t>2021. 4. 9.</a:t>
+              <a:t>2021-04-23</a:t>
             </a:fld>
             <a:endParaRPr lang="ko-KR" altLang="en-US"/>
           </a:p>
@@ -2353,7 +2364,7 @@
           <a:p>
             <a:fld id="{60A20359-8CA1-4405-8BAD-787A69404068}" type="datetimeFigureOut">
               <a:rPr lang="ko-KR" altLang="en-US" smtClean="0"/>
-              <a:t>2021. 4. 9.</a:t>
+              <a:t>2021-04-23</a:t>
             </a:fld>
             <a:endParaRPr lang="ko-KR" altLang="en-US"/>
           </a:p>
@@ -2566,7 +2577,7 @@
           <a:p>
             <a:fld id="{60A20359-8CA1-4405-8BAD-787A69404068}" type="datetimeFigureOut">
               <a:rPr lang="ko-KR" altLang="en-US" smtClean="0"/>
-              <a:t>2021. 4. 9.</a:t>
+              <a:t>2021-04-23</a:t>
             </a:fld>
             <a:endParaRPr lang="ko-KR" altLang="en-US"/>
           </a:p>
@@ -2991,19 +3002,22 @@
           <a:bodyPr/>
           <a:lstStyle/>
           <a:p>
-            <a:r>
-              <a:rPr lang="ko-KR" altLang="en-US" sz="1400" dirty="0">
+            <a:pPr lvl="0">
+              <a:defRPr/>
+            </a:pPr>
+            <a:r>
+              <a:rPr lang="ko-KR" altLang="en-US" sz="1400">
                 <a:latin typeface="+mj-ea"/>
               </a:rPr>
               <a:t>디지털영상처리 </a:t>
             </a:r>
             <a:r>
-              <a:rPr lang="en-US" altLang="ko-KR" sz="1400" dirty="0">
+              <a:rPr lang="en-US" altLang="ko-KR" sz="1400">
                 <a:latin typeface="+mj-ea"/>
               </a:rPr>
               <a:t>Homework #03</a:t>
             </a:r>
-            <a:endParaRPr lang="ko-KR" altLang="en-US" sz="1400" dirty="0">
+            <a:endParaRPr lang="ko-KR" altLang="en-US" sz="1400">
               <a:latin typeface="+mj-ea"/>
             </a:endParaRPr>
           </a:p>
@@ -3051,278 +3065,223 @@
               </a:lnSpc>
               <a:buFont typeface="+mj-lt"/>
               <a:buAutoNum type="arabicPeriod"/>
+              <a:defRPr/>
             </a:pPr>
             <a:r>
-              <a:rPr lang="en-US" altLang="ko-KR" sz="1200" dirty="0" err="1">
+              <a:rPr lang="en-US" altLang="ko-KR" sz="1200">
                 <a:latin typeface="+mj-ea"/>
                 <a:ea typeface="+mj-ea"/>
               </a:rPr>
-              <a:t>Scipy</a:t>
-            </a:r>
-            <a:r>
-              <a:rPr lang="en-US" altLang="ko-KR" sz="1200" dirty="0">
+              <a:t>Scipy </a:t>
+            </a:r>
+            <a:r>
+              <a:rPr lang="ko-KR" altLang="en-US" sz="1200">
                 <a:latin typeface="+mj-ea"/>
                 <a:ea typeface="+mj-ea"/>
               </a:rPr>
-              <a:t> </a:t>
-            </a:r>
-            <a:r>
-              <a:rPr lang="ko-KR" altLang="en-US" sz="1200" dirty="0">
+              <a:t>패키지 </a:t>
+            </a:r>
+            <a:r>
+              <a:rPr lang="en-US" altLang="ko-KR" sz="1200">
                 <a:latin typeface="+mj-ea"/>
                 <a:ea typeface="+mj-ea"/>
               </a:rPr>
-              <a:t>패키지 </a:t>
-            </a:r>
-            <a:r>
-              <a:rPr lang="en-US" altLang="ko-KR" sz="1200" dirty="0" err="1">
+              <a:t>fftconvolve() </a:t>
+            </a:r>
+            <a:r>
+              <a:rPr lang="ko-KR" altLang="en-US" sz="1200">
                 <a:latin typeface="+mj-ea"/>
                 <a:ea typeface="+mj-ea"/>
               </a:rPr>
-              <a:t>fftconvolve</a:t>
-            </a:r>
-            <a:r>
-              <a:rPr lang="en-US" altLang="ko-KR" sz="1200" dirty="0">
+              <a:t>함수를 사용하여</a:t>
+            </a:r>
+            <a:r>
+              <a:rPr lang="en-US" altLang="ko-KR" sz="1200">
                 <a:latin typeface="+mj-ea"/>
                 <a:ea typeface="+mj-ea"/>
               </a:rPr>
-              <a:t>() </a:t>
-            </a:r>
-            <a:r>
-              <a:rPr lang="ko-KR" altLang="en-US" sz="1200" dirty="0">
+              <a:t> </a:t>
+            </a:r>
+            <a:r>
+              <a:rPr lang="ko-KR" altLang="en-US" sz="1200">
                 <a:latin typeface="+mj-ea"/>
                 <a:ea typeface="+mj-ea"/>
               </a:rPr>
-              <a:t>함수를 사용하여</a:t>
-            </a:r>
-            <a:r>
-              <a:rPr lang="en-US" altLang="ko-KR" sz="1200" dirty="0">
+              <a:t>컬러 영상에 </a:t>
+            </a:r>
+            <a:br>
+              <a:rPr lang="en-US" altLang="ko-KR" sz="1200">
                 <a:latin typeface="+mj-ea"/>
                 <a:ea typeface="+mj-ea"/>
               </a:rPr>
-              <a:t> </a:t>
-            </a:r>
-            <a:r>
-              <a:rPr lang="ko-KR" altLang="en-US" sz="1200" dirty="0">
+            </a:br>
+            <a:r>
+              <a:rPr lang="ko-KR" altLang="en-US" sz="1200">
                 <a:latin typeface="+mj-ea"/>
                 <a:ea typeface="+mj-ea"/>
               </a:rPr>
-              <a:t>컬러 영상에 </a:t>
-            </a:r>
-            <a:br>
-              <a:rPr lang="en-US" altLang="ko-KR" sz="1200" dirty="0">
+              <a:t>대한 가우시안 블러</a:t>
+            </a:r>
+            <a:r>
+              <a:rPr lang="en-US" altLang="ko-KR" sz="1200">
                 <a:latin typeface="+mj-ea"/>
                 <a:ea typeface="+mj-ea"/>
               </a:rPr>
-            </a:br>
-            <a:r>
-              <a:rPr lang="ko-KR" altLang="en-US" sz="1200" dirty="0">
+              <a:t>(gaussian blue) </a:t>
+            </a:r>
+            <a:r>
+              <a:rPr lang="ko-KR" altLang="en-US" sz="1200">
                 <a:latin typeface="+mj-ea"/>
                 <a:ea typeface="+mj-ea"/>
               </a:rPr>
-              <a:t>대한 </a:t>
-            </a:r>
-            <a:r>
-              <a:rPr lang="ko-KR" altLang="en-US" sz="1200" dirty="0" err="1">
+              <a:t>과정을 구현하시오</a:t>
+            </a:r>
+            <a:r>
+              <a:rPr lang="en-US" altLang="ko-KR" sz="1200">
                 <a:latin typeface="+mj-ea"/>
                 <a:ea typeface="+mj-ea"/>
               </a:rPr>
-              <a:t>가우시안</a:t>
-            </a:r>
-            <a:r>
-              <a:rPr lang="ko-KR" altLang="en-US" sz="1200" dirty="0">
+              <a:t>.</a:t>
+            </a:r>
+            <a:br>
+              <a:rPr lang="en-US" altLang="ko-KR" sz="1200">
                 <a:latin typeface="+mj-ea"/>
                 <a:ea typeface="+mj-ea"/>
               </a:rPr>
-              <a:t> </a:t>
-            </a:r>
-            <a:r>
-              <a:rPr lang="ko-KR" altLang="en-US" sz="1200" dirty="0" err="1">
+            </a:br>
+            <a:r>
+              <a:rPr lang="en-US" altLang="ko-KR" sz="1200">
                 <a:latin typeface="+mj-ea"/>
                 <a:ea typeface="+mj-ea"/>
               </a:rPr>
-              <a:t>블러</a:t>
-            </a:r>
-            <a:r>
-              <a:rPr lang="en-US" altLang="ko-KR" sz="1200" dirty="0">
+              <a:t>(</a:t>
+            </a:r>
+            <a:r>
+              <a:rPr lang="ko-KR" altLang="en-US" sz="1200">
                 <a:latin typeface="+mj-ea"/>
                 <a:ea typeface="+mj-ea"/>
               </a:rPr>
-              <a:t>(gaussian blue) </a:t>
-            </a:r>
-            <a:r>
-              <a:rPr lang="ko-KR" altLang="en-US" sz="1200" dirty="0">
+              <a:t>가정</a:t>
+            </a:r>
+            <a:r>
+              <a:rPr lang="en-US" altLang="ko-KR" sz="1200">
                 <a:latin typeface="+mj-ea"/>
                 <a:ea typeface="+mj-ea"/>
               </a:rPr>
-              <a:t>과정을 </a:t>
-            </a:r>
-            <a:r>
-              <a:rPr lang="ko-KR" altLang="en-US" sz="1200" dirty="0" err="1">
+              <a:t>)</a:t>
+            </a:r>
+            <a:r>
+              <a:rPr lang="ko-KR" altLang="en-US" sz="1200">
                 <a:latin typeface="+mj-ea"/>
                 <a:ea typeface="+mj-ea"/>
               </a:rPr>
-              <a:t>구현하시오</a:t>
-            </a:r>
-            <a:r>
-              <a:rPr lang="en-US" altLang="ko-KR" sz="1200" dirty="0">
+              <a:t> 입력 영상은 </a:t>
+            </a:r>
+            <a:r>
+              <a:rPr lang="en-US" altLang="ko-KR" sz="1200">
                 <a:latin typeface="+mj-ea"/>
                 <a:ea typeface="+mj-ea"/>
               </a:rPr>
-              <a:t>.</a:t>
-            </a:r>
-            <a:br>
-              <a:rPr lang="en-US" altLang="ko-KR" sz="1200" dirty="0">
+              <a:t>mandrill.jpg</a:t>
+            </a:r>
+            <a:r>
+              <a:rPr lang="ko-KR" altLang="en-US" sz="1200">
                 <a:latin typeface="+mj-ea"/>
                 <a:ea typeface="+mj-ea"/>
               </a:rPr>
-            </a:br>
-            <a:r>
-              <a:rPr lang="en-US" altLang="ko-KR" sz="1200" dirty="0">
+              <a:t>로 한다</a:t>
+            </a:r>
+            <a:r>
+              <a:rPr lang="en-US" altLang="ko-KR" sz="1200">
                 <a:latin typeface="+mj-ea"/>
                 <a:ea typeface="+mj-ea"/>
               </a:rPr>
-              <a:t>(</a:t>
-            </a:r>
-            <a:r>
-              <a:rPr lang="ko-KR" altLang="en-US" sz="1200" dirty="0">
+              <a:t>.</a:t>
+            </a:r>
+            <a:r>
+              <a:rPr lang="ko-KR" altLang="en-US" sz="1200">
                 <a:latin typeface="+mj-ea"/>
                 <a:ea typeface="+mj-ea"/>
               </a:rPr>
-              <a:t>가정</a:t>
-            </a:r>
-            <a:r>
-              <a:rPr lang="en-US" altLang="ko-KR" sz="1200" dirty="0">
+              <a:t> </a:t>
+            </a:r>
+            <a:br>
+              <a:rPr lang="en-US" altLang="ko-KR" sz="1200">
                 <a:latin typeface="+mj-ea"/>
                 <a:ea typeface="+mj-ea"/>
               </a:rPr>
-              <a:t>)</a:t>
-            </a:r>
-            <a:r>
-              <a:rPr lang="ko-KR" altLang="en-US" sz="1200" dirty="0">
+            </a:br>
+            <a:r>
+              <a:rPr lang="en-US" altLang="ko-KR" sz="1200">
                 <a:latin typeface="+mj-ea"/>
                 <a:ea typeface="+mj-ea"/>
               </a:rPr>
-              <a:t> 입력 영상은 </a:t>
-            </a:r>
-            <a:r>
-              <a:rPr lang="en-US" altLang="ko-KR" sz="1200" dirty="0" err="1">
+              <a:t>(</a:t>
+            </a:r>
+            <a:r>
+              <a:rPr lang="ko-KR" altLang="en-US" sz="1200">
                 <a:latin typeface="+mj-ea"/>
                 <a:ea typeface="+mj-ea"/>
               </a:rPr>
-              <a:t>mandrill.jpg</a:t>
-            </a:r>
-            <a:r>
-              <a:rPr lang="ko-KR" altLang="en-US" sz="1200" dirty="0">
+              <a:t>가정</a:t>
+            </a:r>
+            <a:r>
+              <a:rPr lang="en-US" altLang="ko-KR" sz="1200">
                 <a:latin typeface="+mj-ea"/>
                 <a:ea typeface="+mj-ea"/>
               </a:rPr>
-              <a:t>로 한다</a:t>
-            </a:r>
-            <a:r>
-              <a:rPr lang="en-US" altLang="ko-KR" sz="1200" dirty="0">
+              <a:t>)</a:t>
+            </a:r>
+            <a:r>
+              <a:rPr lang="ko-KR" altLang="en-US" sz="1200">
                 <a:latin typeface="+mj-ea"/>
                 <a:ea typeface="+mj-ea"/>
               </a:rPr>
-              <a:t>.</a:t>
-            </a:r>
-            <a:r>
-              <a:rPr lang="ko-KR" altLang="en-US" sz="1200" dirty="0">
+              <a:t> </a:t>
+            </a:r>
+            <a:r>
+              <a:rPr lang="en-US" altLang="ko-KR" sz="1200">
                 <a:latin typeface="+mj-ea"/>
                 <a:ea typeface="+mj-ea"/>
               </a:rPr>
-              <a:t> </a:t>
-            </a:r>
-            <a:br>
-              <a:rPr lang="en-US" altLang="ko-KR" sz="1200" dirty="0">
+              <a:t>gaussian kernel </a:t>
+            </a:r>
+            <a:r>
+              <a:rPr lang="ko-KR" altLang="en-US" sz="1200">
                 <a:latin typeface="+mj-ea"/>
                 <a:ea typeface="+mj-ea"/>
               </a:rPr>
-            </a:br>
-            <a:r>
-              <a:rPr lang="en-US" altLang="ko-KR" sz="1200" dirty="0">
+              <a:t>크기는 </a:t>
+            </a:r>
+            <a:r>
+              <a:rPr lang="en-US" altLang="ko-KR" sz="1200">
                 <a:latin typeface="+mj-ea"/>
                 <a:ea typeface="+mj-ea"/>
               </a:rPr>
-              <a:t>(</a:t>
-            </a:r>
-            <a:r>
-              <a:rPr lang="ko-KR" altLang="en-US" sz="1200" dirty="0">
+              <a:t>11,</a:t>
+            </a:r>
+            <a:r>
+              <a:rPr lang="ko-KR" altLang="en-US" sz="1200">
                 <a:latin typeface="+mj-ea"/>
                 <a:ea typeface="+mj-ea"/>
               </a:rPr>
-              <a:t>가정</a:t>
-            </a:r>
-            <a:r>
-              <a:rPr lang="en-US" altLang="ko-KR" sz="1200" dirty="0">
+              <a:t> </a:t>
+            </a:r>
+            <a:r>
+              <a:rPr lang="en-US" altLang="ko-KR" sz="1200">
                 <a:latin typeface="+mj-ea"/>
                 <a:ea typeface="+mj-ea"/>
               </a:rPr>
-              <a:t>)</a:t>
-            </a:r>
-            <a:r>
-              <a:rPr lang="ko-KR" altLang="en-US" sz="1200" dirty="0">
+              <a:t>sigma 3</a:t>
+            </a:r>
+            <a:r>
+              <a:rPr lang="ko-KR" altLang="en-US" sz="1200">
                 <a:latin typeface="+mj-ea"/>
                 <a:ea typeface="+mj-ea"/>
               </a:rPr>
-              <a:t> </a:t>
-            </a:r>
-            <a:r>
-              <a:rPr lang="en-US" altLang="ko-KR" sz="1200" dirty="0">
-                <a:latin typeface="+mj-ea"/>
-                <a:ea typeface="+mj-ea"/>
-              </a:rPr>
-              <a:t>gaussian kernel </a:t>
-            </a:r>
-            <a:r>
-              <a:rPr lang="ko-KR" altLang="en-US" sz="1200" dirty="0">
-                <a:latin typeface="+mj-ea"/>
-                <a:ea typeface="+mj-ea"/>
-              </a:rPr>
-              <a:t>크기는 </a:t>
-            </a:r>
-            <a:r>
-              <a:rPr lang="en-US" altLang="ko-KR" sz="1200" dirty="0">
-                <a:latin typeface="+mj-ea"/>
-                <a:ea typeface="+mj-ea"/>
-              </a:rPr>
-              <a:t>11,</a:t>
-            </a:r>
-            <a:r>
-              <a:rPr lang="ko-KR" altLang="en-US" sz="1200" dirty="0">
-                <a:latin typeface="+mj-ea"/>
-                <a:ea typeface="+mj-ea"/>
-              </a:rPr>
-              <a:t> </a:t>
-            </a:r>
-            <a:r>
-              <a:rPr lang="en-US" altLang="ko-KR" sz="1200" dirty="0">
-                <a:latin typeface="+mj-ea"/>
-                <a:ea typeface="+mj-ea"/>
-              </a:rPr>
-              <a:t>sigma 3</a:t>
-            </a:r>
-            <a:r>
-              <a:rPr lang="ko-KR" altLang="en-US" sz="1200" dirty="0">
-                <a:latin typeface="+mj-ea"/>
-                <a:ea typeface="+mj-ea"/>
-              </a:rPr>
-              <a:t> </a:t>
-            </a:r>
-            <a:r>
-              <a:rPr lang="ko-KR" altLang="en-US" sz="1200" dirty="0" err="1">
-                <a:latin typeface="+mj-ea"/>
-                <a:ea typeface="+mj-ea"/>
-              </a:rPr>
-              <a:t>으로</a:t>
-            </a:r>
-            <a:r>
-              <a:rPr lang="ko-KR" altLang="en-US" sz="1200" dirty="0">
-                <a:latin typeface="+mj-ea"/>
-                <a:ea typeface="+mj-ea"/>
-              </a:rPr>
-              <a:t> 한다</a:t>
-            </a:r>
-            <a:endParaRPr lang="en-US" altLang="ko-KR" sz="1200" dirty="0">
+              <a:t> 으로 한다</a:t>
+            </a:r>
+            <a:endParaRPr lang="en-US" altLang="ko-KR" sz="1200">
               <a:latin typeface="+mj-ea"/>
               <a:ea typeface="+mj-ea"/>
             </a:endParaRPr>
@@ -3369,67 +3328,2702 @@
           </a:fontRef>
         </p:style>
         <p:txBody>
-          <a:bodyPr rtlCol="0" anchor="t" anchorCtr="0"/>
+          <a:bodyPr anchor="t" anchorCtr="0"/>
           <a:lstStyle/>
           <a:p>
-            <a:pPr algn="just"/>
-            <a:r>
-              <a:rPr lang="en-US" altLang="ko-KR" sz="1200" dirty="0">
-                <a:solidFill>
-                  <a:srgbClr val="FF0000"/>
-                </a:solidFill>
-              </a:rPr>
-              <a:t>(Python </a:t>
-            </a:r>
-            <a:r>
-              <a:rPr lang="ko-KR" altLang="en-US" sz="1200" dirty="0">
-                <a:solidFill>
-                  <a:srgbClr val="FF0000"/>
-                </a:solidFill>
-              </a:rPr>
-              <a:t>코드를 복사하고</a:t>
-            </a:r>
-            <a:r>
-              <a:rPr lang="en-US" altLang="ko-KR" sz="1200" dirty="0">
-                <a:solidFill>
-                  <a:srgbClr val="FF0000"/>
-                </a:solidFill>
-              </a:rPr>
-              <a:t>,</a:t>
-            </a:r>
-            <a:r>
-              <a:rPr lang="ko-KR" altLang="en-US" sz="1200" dirty="0">
-                <a:solidFill>
-                  <a:srgbClr val="FF0000"/>
-                </a:solidFill>
-              </a:rPr>
-              <a:t> 결과 영상도 함께 첨부합니다</a:t>
-            </a:r>
-            <a:r>
-              <a:rPr lang="en-US" altLang="ko-KR" sz="1200" dirty="0">
-                <a:solidFill>
-                  <a:srgbClr val="FF0000"/>
-                </a:solidFill>
+            <a:pPr algn="just">
+              <a:tabLst>
+                <a:tab pos="1736481" algn="l"/>
+              </a:tabLst>
+              <a:defRPr/>
+            </a:pPr>
+            <a:r>
+              <a:rPr lang="en-US" altLang="ko-KR" sz="800" dirty="0">
+                <a:solidFill>
+                  <a:schemeClr val="tx1"/>
+                </a:solidFill>
+                <a:latin typeface="맑은 고딕"/>
+              </a:rPr>
+              <a:t>import cv2</a:t>
+            </a:r>
+          </a:p>
+          <a:p>
+            <a:pPr algn="just">
+              <a:tabLst>
+                <a:tab pos="1736481" algn="l"/>
+              </a:tabLst>
+              <a:defRPr/>
+            </a:pPr>
+            <a:r>
+              <a:rPr lang="en-US" altLang="ko-KR" sz="800" dirty="0">
+                <a:solidFill>
+                  <a:schemeClr val="tx1"/>
+                </a:solidFill>
+                <a:latin typeface="맑은 고딕"/>
+              </a:rPr>
+              <a:t>import </a:t>
+            </a:r>
+            <a:r>
+              <a:rPr lang="en-US" altLang="ko-KR" sz="800" dirty="0" err="1">
+                <a:solidFill>
+                  <a:schemeClr val="tx1"/>
+                </a:solidFill>
+                <a:latin typeface="맑은 고딕"/>
+              </a:rPr>
+              <a:t>numpy.fft</a:t>
+            </a:r>
+            <a:r>
+              <a:rPr lang="en-US" altLang="ko-KR" sz="800" dirty="0">
+                <a:solidFill>
+                  <a:schemeClr val="tx1"/>
+                </a:solidFill>
+                <a:latin typeface="맑은 고딕"/>
+              </a:rPr>
+              <a:t> as </a:t>
+            </a:r>
+            <a:r>
+              <a:rPr lang="en-US" altLang="ko-KR" sz="800" dirty="0" err="1">
+                <a:solidFill>
+                  <a:schemeClr val="tx1"/>
+                </a:solidFill>
+                <a:latin typeface="맑은 고딕"/>
+              </a:rPr>
+              <a:t>fp</a:t>
+            </a:r>
+            <a:endParaRPr lang="en-US" altLang="ko-KR" sz="800" dirty="0">
+              <a:solidFill>
+                <a:schemeClr val="tx1"/>
+              </a:solidFill>
+              <a:latin typeface="맑은 고딕"/>
+            </a:endParaRPr>
+          </a:p>
+          <a:p>
+            <a:pPr algn="just">
+              <a:tabLst>
+                <a:tab pos="1736481" algn="l"/>
+              </a:tabLst>
+              <a:defRPr/>
+            </a:pPr>
+            <a:r>
+              <a:rPr lang="en-US" altLang="ko-KR" sz="800" dirty="0">
+                <a:solidFill>
+                  <a:schemeClr val="tx1"/>
+                </a:solidFill>
+                <a:latin typeface="맑은 고딕"/>
+              </a:rPr>
+              <a:t>import </a:t>
+            </a:r>
+            <a:r>
+              <a:rPr lang="en-US" altLang="ko-KR" sz="800" dirty="0" err="1">
+                <a:solidFill>
+                  <a:schemeClr val="tx1"/>
+                </a:solidFill>
+                <a:latin typeface="맑은 고딕"/>
+              </a:rPr>
+              <a:t>numpy</a:t>
+            </a:r>
+            <a:r>
+              <a:rPr lang="en-US" altLang="ko-KR" sz="800" dirty="0">
+                <a:solidFill>
+                  <a:schemeClr val="tx1"/>
+                </a:solidFill>
+                <a:latin typeface="맑은 고딕"/>
+              </a:rPr>
+              <a:t> as np</a:t>
+            </a:r>
+          </a:p>
+          <a:p>
+            <a:pPr algn="just">
+              <a:tabLst>
+                <a:tab pos="1736481" algn="l"/>
+              </a:tabLst>
+              <a:defRPr/>
+            </a:pPr>
+            <a:r>
+              <a:rPr lang="en-US" altLang="ko-KR" sz="800" dirty="0">
+                <a:solidFill>
+                  <a:schemeClr val="tx1"/>
+                </a:solidFill>
+                <a:latin typeface="맑은 고딕"/>
+              </a:rPr>
+              <a:t>from skimage.io import </a:t>
+            </a:r>
+            <a:r>
+              <a:rPr lang="en-US" altLang="ko-KR" sz="800" dirty="0" err="1">
+                <a:solidFill>
+                  <a:schemeClr val="tx1"/>
+                </a:solidFill>
+                <a:latin typeface="맑은 고딕"/>
+              </a:rPr>
+              <a:t>imread</a:t>
+            </a:r>
+            <a:endParaRPr lang="en-US" altLang="ko-KR" sz="800" dirty="0">
+              <a:solidFill>
+                <a:schemeClr val="tx1"/>
+              </a:solidFill>
+              <a:latin typeface="맑은 고딕"/>
+            </a:endParaRPr>
+          </a:p>
+          <a:p>
+            <a:pPr algn="just">
+              <a:tabLst>
+                <a:tab pos="1736481" algn="l"/>
+              </a:tabLst>
+              <a:defRPr/>
+            </a:pPr>
+            <a:r>
+              <a:rPr lang="en-US" altLang="ko-KR" sz="800" dirty="0">
+                <a:solidFill>
+                  <a:schemeClr val="tx1"/>
+                </a:solidFill>
+                <a:latin typeface="맑은 고딕"/>
+              </a:rPr>
+              <a:t>import </a:t>
+            </a:r>
+            <a:r>
+              <a:rPr lang="en-US" altLang="ko-KR" sz="800" dirty="0" err="1">
+                <a:solidFill>
+                  <a:schemeClr val="tx1"/>
+                </a:solidFill>
+                <a:latin typeface="맑은 고딕"/>
+              </a:rPr>
+              <a:t>matplotlib.pylab</a:t>
+            </a:r>
+            <a:r>
+              <a:rPr lang="en-US" altLang="ko-KR" sz="800" dirty="0">
+                <a:solidFill>
+                  <a:schemeClr val="tx1"/>
+                </a:solidFill>
+                <a:latin typeface="맑은 고딕"/>
+              </a:rPr>
+              <a:t> as </a:t>
+            </a:r>
+            <a:r>
+              <a:rPr lang="en-US" altLang="ko-KR" sz="800" dirty="0" err="1">
+                <a:solidFill>
+                  <a:schemeClr val="tx1"/>
+                </a:solidFill>
+                <a:latin typeface="맑은 고딕"/>
+              </a:rPr>
+              <a:t>pylab</a:t>
+            </a:r>
+            <a:endParaRPr lang="en-US" altLang="ko-KR" sz="800" dirty="0">
+              <a:solidFill>
+                <a:schemeClr val="tx1"/>
+              </a:solidFill>
+              <a:latin typeface="맑은 고딕"/>
+            </a:endParaRPr>
+          </a:p>
+          <a:p>
+            <a:pPr algn="just">
+              <a:tabLst>
+                <a:tab pos="1736481" algn="l"/>
+              </a:tabLst>
+              <a:defRPr/>
+            </a:pPr>
+            <a:r>
+              <a:rPr lang="en-US" altLang="ko-KR" sz="800" dirty="0">
+                <a:solidFill>
+                  <a:schemeClr val="tx1"/>
+                </a:solidFill>
+                <a:latin typeface="맑은 고딕"/>
+              </a:rPr>
+              <a:t>from </a:t>
+            </a:r>
+            <a:r>
+              <a:rPr lang="en-US" altLang="ko-KR" sz="800" dirty="0" err="1">
+                <a:solidFill>
+                  <a:schemeClr val="tx1"/>
+                </a:solidFill>
+                <a:latin typeface="맑은 고딕"/>
+              </a:rPr>
+              <a:t>scipy</a:t>
+            </a:r>
+            <a:r>
+              <a:rPr lang="en-US" altLang="ko-KR" sz="800" dirty="0">
+                <a:solidFill>
+                  <a:schemeClr val="tx1"/>
+                </a:solidFill>
+                <a:latin typeface="맑은 고딕"/>
+              </a:rPr>
+              <a:t> import signal</a:t>
+            </a:r>
+          </a:p>
+          <a:p>
+            <a:pPr algn="just">
+              <a:tabLst>
+                <a:tab pos="1736481" algn="l"/>
+              </a:tabLst>
+              <a:defRPr/>
+            </a:pPr>
+            <a:endParaRPr lang="en-US" altLang="ko-KR" sz="800" dirty="0">
+              <a:solidFill>
+                <a:schemeClr val="tx1"/>
+              </a:solidFill>
+              <a:latin typeface="맑은 고딕"/>
+            </a:endParaRPr>
+          </a:p>
+          <a:p>
+            <a:pPr algn="just">
+              <a:tabLst>
+                <a:tab pos="1736481" algn="l"/>
+              </a:tabLst>
+              <a:defRPr/>
+            </a:pPr>
+            <a:r>
+              <a:rPr lang="en-US" altLang="ko-KR" sz="800" dirty="0" err="1">
+                <a:solidFill>
+                  <a:schemeClr val="tx1"/>
+                </a:solidFill>
+                <a:latin typeface="맑은 고딕"/>
+              </a:rPr>
+              <a:t>im</a:t>
+            </a:r>
+            <a:r>
+              <a:rPr lang="en-US" altLang="ko-KR" sz="800" dirty="0">
+                <a:solidFill>
+                  <a:schemeClr val="tx1"/>
+                </a:solidFill>
+                <a:latin typeface="맑은 고딕"/>
+              </a:rPr>
+              <a:t> = </a:t>
+            </a:r>
+            <a:r>
+              <a:rPr lang="en-US" altLang="ko-KR" sz="800" dirty="0" err="1">
+                <a:solidFill>
+                  <a:schemeClr val="tx1"/>
+                </a:solidFill>
+                <a:latin typeface="맑은 고딕"/>
+              </a:rPr>
+              <a:t>imread</a:t>
+            </a:r>
+            <a:r>
+              <a:rPr lang="en-US" altLang="ko-KR" sz="800" dirty="0">
+                <a:solidFill>
+                  <a:schemeClr val="tx1"/>
+                </a:solidFill>
+                <a:latin typeface="맑은 고딕"/>
+              </a:rPr>
+              <a:t>('./images/mandrill.jpg')</a:t>
+            </a:r>
+          </a:p>
+          <a:p>
+            <a:pPr algn="just">
+              <a:tabLst>
+                <a:tab pos="1736481" algn="l"/>
+              </a:tabLst>
+              <a:defRPr/>
+            </a:pPr>
+            <a:r>
+              <a:rPr lang="en-US" altLang="ko-KR" sz="800" dirty="0" err="1">
+                <a:solidFill>
+                  <a:schemeClr val="tx1"/>
+                </a:solidFill>
+                <a:latin typeface="맑은 고딕"/>
+              </a:rPr>
+              <a:t>img_arr</a:t>
+            </a:r>
+            <a:r>
+              <a:rPr lang="en-US" altLang="ko-KR" sz="800" dirty="0">
+                <a:solidFill>
+                  <a:schemeClr val="tx1"/>
+                </a:solidFill>
+                <a:latin typeface="맑은 고딕"/>
+              </a:rPr>
+              <a:t> = cv2.split(</a:t>
+            </a:r>
+            <a:r>
+              <a:rPr lang="en-US" altLang="ko-KR" sz="800" dirty="0" err="1">
+                <a:solidFill>
+                  <a:schemeClr val="tx1"/>
+                </a:solidFill>
+                <a:latin typeface="맑은 고딕"/>
+              </a:rPr>
+              <a:t>im</a:t>
+            </a:r>
+            <a:r>
+              <a:rPr lang="en-US" altLang="ko-KR" sz="800" dirty="0">
+                <a:solidFill>
+                  <a:schemeClr val="tx1"/>
+                </a:solidFill>
+                <a:latin typeface="맑은 고딕"/>
               </a:rPr>
               <a:t>)</a:t>
             </a:r>
-            <a:endParaRPr lang="ko-KR" altLang="en-US" sz="1200" dirty="0">
+          </a:p>
+          <a:p>
+            <a:pPr algn="just">
+              <a:tabLst>
+                <a:tab pos="1736481" algn="l"/>
+              </a:tabLst>
+              <a:defRPr/>
+            </a:pPr>
+            <a:r>
+              <a:rPr lang="en-US" altLang="ko-KR" sz="800" dirty="0" err="1">
+                <a:solidFill>
+                  <a:schemeClr val="tx1"/>
+                </a:solidFill>
+                <a:latin typeface="맑은 고딕"/>
+              </a:rPr>
+              <a:t>color_arr</a:t>
+            </a:r>
+            <a:r>
+              <a:rPr lang="en-US" altLang="ko-KR" sz="800" dirty="0">
+                <a:solidFill>
+                  <a:schemeClr val="tx1"/>
+                </a:solidFill>
+                <a:latin typeface="맑은 고딕"/>
+              </a:rPr>
+              <a:t> = []</a:t>
+            </a:r>
+          </a:p>
+          <a:p>
+            <a:pPr algn="just">
+              <a:tabLst>
+                <a:tab pos="1736481" algn="l"/>
+              </a:tabLst>
+              <a:defRPr/>
+            </a:pPr>
+            <a:endParaRPr lang="en-US" altLang="ko-KR" sz="800" dirty="0">
               <a:solidFill>
-                <a:srgbClr val="FF0000"/>
+                <a:schemeClr val="tx1"/>
               </a:solidFill>
+              <a:latin typeface="맑은 고딕"/>
             </a:endParaRPr>
           </a:p>
-        </p:txBody>
-      </p:sp>
-      <p:sp>
-        <p:nvSpPr>
-          <p:cNvPr id="2" name="직사각형 1">
-            <a:extLst>
-              <a:ext uri="{FF2B5EF4-FFF2-40B4-BE49-F238E27FC236}">
-                <a16:creationId xmlns:a16="http://schemas.microsoft.com/office/drawing/2014/main" id="{292883C2-AF6F-CE48-9863-BCA4E87C5486}"/>
-              </a:ext>
-            </a:extLst>
-          </p:cNvPr>
+          <a:p>
+            <a:pPr algn="just">
+              <a:tabLst>
+                <a:tab pos="1736481" algn="l"/>
+              </a:tabLst>
+              <a:defRPr/>
+            </a:pPr>
+            <a:r>
+              <a:rPr lang="en-US" altLang="ko-KR" sz="800" dirty="0">
+                <a:solidFill>
+                  <a:schemeClr val="tx1"/>
+                </a:solidFill>
+                <a:latin typeface="맑은 고딕"/>
+              </a:rPr>
+              <a:t># </a:t>
+            </a:r>
+            <a:r>
+              <a:rPr lang="ko-KR" altLang="en-US" sz="800" dirty="0" err="1">
+                <a:solidFill>
+                  <a:schemeClr val="tx1"/>
+                </a:solidFill>
+                <a:latin typeface="맑은 고딕"/>
+              </a:rPr>
+              <a:t>가우시안</a:t>
+            </a:r>
+            <a:r>
+              <a:rPr lang="ko-KR" altLang="en-US" sz="800" dirty="0">
+                <a:solidFill>
+                  <a:schemeClr val="tx1"/>
+                </a:solidFill>
+                <a:latin typeface="맑은 고딕"/>
+              </a:rPr>
+              <a:t> 필터 처리 후 곱셈</a:t>
+            </a:r>
+          </a:p>
+          <a:p>
+            <a:pPr algn="just">
+              <a:tabLst>
+                <a:tab pos="1736481" algn="l"/>
+              </a:tabLst>
+              <a:defRPr/>
+            </a:pPr>
+            <a:r>
+              <a:rPr lang="en-US" altLang="ko-KR" sz="800" dirty="0">
+                <a:solidFill>
+                  <a:schemeClr val="tx1"/>
+                </a:solidFill>
+                <a:latin typeface="맑은 고딕"/>
+              </a:rPr>
+              <a:t>for </a:t>
+            </a:r>
+            <a:r>
+              <a:rPr lang="en-US" altLang="ko-KR" sz="800" dirty="0" err="1">
+                <a:solidFill>
+                  <a:schemeClr val="tx1"/>
+                </a:solidFill>
+                <a:latin typeface="맑은 고딕"/>
+              </a:rPr>
+              <a:t>i</a:t>
+            </a:r>
+            <a:r>
+              <a:rPr lang="en-US" altLang="ko-KR" sz="800" dirty="0">
+                <a:solidFill>
+                  <a:schemeClr val="tx1"/>
+                </a:solidFill>
+                <a:latin typeface="맑은 고딕"/>
+              </a:rPr>
+              <a:t> in range(0,3) :</a:t>
+            </a:r>
+          </a:p>
+          <a:p>
+            <a:pPr algn="just">
+              <a:tabLst>
+                <a:tab pos="1736481" algn="l"/>
+              </a:tabLst>
+              <a:defRPr/>
+            </a:pPr>
+            <a:r>
+              <a:rPr lang="en-US" altLang="ko-KR" sz="800" dirty="0">
+                <a:solidFill>
+                  <a:schemeClr val="tx1"/>
+                </a:solidFill>
+                <a:latin typeface="맑은 고딕"/>
+              </a:rPr>
+              <a:t>  </a:t>
+            </a:r>
+            <a:r>
+              <a:rPr lang="en-US" altLang="ko-KR" sz="800" dirty="0" err="1">
+                <a:solidFill>
+                  <a:schemeClr val="tx1"/>
+                </a:solidFill>
+                <a:latin typeface="맑은 고딕"/>
+              </a:rPr>
+              <a:t>img_convert</a:t>
+            </a:r>
+            <a:r>
+              <a:rPr lang="en-US" altLang="ko-KR" sz="800" dirty="0">
+                <a:solidFill>
+                  <a:schemeClr val="tx1"/>
+                </a:solidFill>
+                <a:latin typeface="맑은 고딕"/>
+              </a:rPr>
+              <a:t> = </a:t>
+            </a:r>
+            <a:r>
+              <a:rPr lang="en-US" altLang="ko-KR" sz="800" dirty="0" err="1">
+                <a:solidFill>
+                  <a:schemeClr val="tx1"/>
+                </a:solidFill>
+                <a:latin typeface="맑은 고딕"/>
+              </a:rPr>
+              <a:t>np.clip</a:t>
+            </a:r>
+            <a:r>
+              <a:rPr lang="en-US" altLang="ko-KR" sz="800" dirty="0">
+                <a:solidFill>
+                  <a:schemeClr val="tx1"/>
+                </a:solidFill>
+                <a:latin typeface="맑은 고딕"/>
+              </a:rPr>
+              <a:t>(</a:t>
+            </a:r>
+            <a:r>
+              <a:rPr lang="en-US" altLang="ko-KR" sz="800" dirty="0" err="1">
+                <a:solidFill>
+                  <a:schemeClr val="tx1"/>
+                </a:solidFill>
+                <a:latin typeface="맑은 고딕"/>
+              </a:rPr>
+              <a:t>img_arr</a:t>
+            </a:r>
+            <a:r>
+              <a:rPr lang="en-US" altLang="ko-KR" sz="800" dirty="0">
+                <a:solidFill>
+                  <a:schemeClr val="tx1"/>
+                </a:solidFill>
+                <a:latin typeface="맑은 고딕"/>
+              </a:rPr>
+              <a:t>[</a:t>
+            </a:r>
+            <a:r>
+              <a:rPr lang="en-US" altLang="ko-KR" sz="800" dirty="0" err="1">
+                <a:solidFill>
+                  <a:schemeClr val="tx1"/>
+                </a:solidFill>
+                <a:latin typeface="맑은 고딕"/>
+              </a:rPr>
+              <a:t>i</a:t>
+            </a:r>
+            <a:r>
+              <a:rPr lang="en-US" altLang="ko-KR" sz="800" dirty="0">
+                <a:solidFill>
+                  <a:schemeClr val="tx1"/>
+                </a:solidFill>
+                <a:latin typeface="맑은 고딕"/>
+              </a:rPr>
+              <a:t>],0,255)</a:t>
+            </a:r>
+          </a:p>
+          <a:p>
+            <a:pPr algn="just">
+              <a:tabLst>
+                <a:tab pos="1736481" algn="l"/>
+              </a:tabLst>
+              <a:defRPr/>
+            </a:pPr>
+            <a:r>
+              <a:rPr lang="en-US" altLang="ko-KR" sz="800" dirty="0">
+                <a:solidFill>
+                  <a:schemeClr val="tx1"/>
+                </a:solidFill>
+                <a:latin typeface="맑은 고딕"/>
+              </a:rPr>
+              <a:t>  </a:t>
+            </a:r>
+            <a:r>
+              <a:rPr lang="en-US" altLang="ko-KR" sz="800" dirty="0" err="1">
+                <a:solidFill>
+                  <a:schemeClr val="tx1"/>
+                </a:solidFill>
+                <a:latin typeface="맑은 고딕"/>
+              </a:rPr>
+              <a:t>gauss_kernel</a:t>
+            </a:r>
+            <a:r>
+              <a:rPr lang="en-US" altLang="ko-KR" sz="800" dirty="0">
+                <a:solidFill>
+                  <a:schemeClr val="tx1"/>
+                </a:solidFill>
+                <a:latin typeface="맑은 고딕"/>
+              </a:rPr>
+              <a:t> = </a:t>
+            </a:r>
+            <a:r>
+              <a:rPr lang="en-US" altLang="ko-KR" sz="800" dirty="0" err="1">
+                <a:solidFill>
+                  <a:schemeClr val="tx1"/>
+                </a:solidFill>
+                <a:latin typeface="맑은 고딕"/>
+              </a:rPr>
+              <a:t>np.outer</a:t>
+            </a:r>
+            <a:r>
+              <a:rPr lang="en-US" altLang="ko-KR" sz="800" dirty="0">
+                <a:solidFill>
+                  <a:schemeClr val="tx1"/>
+                </a:solidFill>
+                <a:latin typeface="맑은 고딕"/>
+              </a:rPr>
+              <a:t>(</a:t>
+            </a:r>
+            <a:r>
+              <a:rPr lang="en-US" altLang="ko-KR" sz="800" dirty="0" err="1">
+                <a:solidFill>
+                  <a:schemeClr val="tx1"/>
+                </a:solidFill>
+                <a:latin typeface="맑은 고딕"/>
+              </a:rPr>
+              <a:t>signal.gaussian</a:t>
+            </a:r>
+            <a:r>
+              <a:rPr lang="en-US" altLang="ko-KR" sz="800" dirty="0">
+                <a:solidFill>
+                  <a:schemeClr val="tx1"/>
+                </a:solidFill>
+                <a:latin typeface="맑은 고딕"/>
+              </a:rPr>
+              <a:t>(11, 3),</a:t>
+            </a:r>
+          </a:p>
+          <a:p>
+            <a:pPr algn="just">
+              <a:tabLst>
+                <a:tab pos="1736481" algn="l"/>
+              </a:tabLst>
+              <a:defRPr/>
+            </a:pPr>
+            <a:r>
+              <a:rPr lang="en-US" altLang="ko-KR" sz="800" dirty="0">
+                <a:solidFill>
+                  <a:schemeClr val="tx1"/>
+                </a:solidFill>
+                <a:latin typeface="맑은 고딕"/>
+              </a:rPr>
+              <a:t>                        </a:t>
+            </a:r>
+            <a:r>
+              <a:rPr lang="en-US" altLang="ko-KR" sz="800" dirty="0" err="1">
+                <a:solidFill>
+                  <a:schemeClr val="tx1"/>
+                </a:solidFill>
+                <a:latin typeface="맑은 고딕"/>
+              </a:rPr>
+              <a:t>signal.gaussian</a:t>
+            </a:r>
+            <a:r>
+              <a:rPr lang="en-US" altLang="ko-KR" sz="800" dirty="0">
+                <a:solidFill>
+                  <a:schemeClr val="tx1"/>
+                </a:solidFill>
+                <a:latin typeface="맑은 고딕"/>
+              </a:rPr>
+              <a:t>(11, 3))</a:t>
+            </a:r>
+          </a:p>
+          <a:p>
+            <a:pPr algn="just">
+              <a:tabLst>
+                <a:tab pos="1736481" algn="l"/>
+              </a:tabLst>
+              <a:defRPr/>
+            </a:pPr>
+            <a:r>
+              <a:rPr lang="en-US" altLang="ko-KR" sz="800" dirty="0">
+                <a:solidFill>
+                  <a:schemeClr val="tx1"/>
+                </a:solidFill>
+                <a:latin typeface="맑은 고딕"/>
+              </a:rPr>
+              <a:t>  </a:t>
+            </a:r>
+          </a:p>
+          <a:p>
+            <a:pPr algn="just">
+              <a:tabLst>
+                <a:tab pos="1736481" algn="l"/>
+              </a:tabLst>
+              <a:defRPr/>
+            </a:pPr>
+            <a:r>
+              <a:rPr lang="en-US" altLang="ko-KR" sz="800" dirty="0">
+                <a:solidFill>
+                  <a:schemeClr val="tx1"/>
+                </a:solidFill>
+                <a:latin typeface="맑은 고딕"/>
+              </a:rPr>
+              <a:t>  # </a:t>
+            </a:r>
+            <a:r>
+              <a:rPr lang="ko-KR" altLang="en-US" sz="800" dirty="0" err="1">
+                <a:solidFill>
+                  <a:schemeClr val="tx1"/>
+                </a:solidFill>
+                <a:latin typeface="맑은 고딕"/>
+              </a:rPr>
+              <a:t>원본이미지</a:t>
+            </a:r>
+            <a:r>
+              <a:rPr lang="ko-KR" altLang="en-US" sz="800" dirty="0">
+                <a:solidFill>
+                  <a:schemeClr val="tx1"/>
+                </a:solidFill>
+                <a:latin typeface="맑은 고딕"/>
+              </a:rPr>
+              <a:t> </a:t>
+            </a:r>
+            <a:r>
+              <a:rPr lang="en-US" altLang="ko-KR" sz="800" dirty="0" err="1">
+                <a:solidFill>
+                  <a:schemeClr val="tx1"/>
+                </a:solidFill>
+                <a:latin typeface="맑은 고딕"/>
+              </a:rPr>
+              <a:t>fft</a:t>
+            </a:r>
+            <a:endParaRPr lang="en-US" altLang="ko-KR" sz="800" dirty="0">
+              <a:solidFill>
+                <a:schemeClr val="tx1"/>
+              </a:solidFill>
+              <a:latin typeface="맑은 고딕"/>
+            </a:endParaRPr>
+          </a:p>
+          <a:p>
+            <a:pPr algn="just">
+              <a:tabLst>
+                <a:tab pos="1736481" algn="l"/>
+              </a:tabLst>
+              <a:defRPr/>
+            </a:pPr>
+            <a:r>
+              <a:rPr lang="en-US" altLang="ko-KR" sz="800" dirty="0">
+                <a:solidFill>
+                  <a:schemeClr val="tx1"/>
+                </a:solidFill>
+                <a:latin typeface="맑은 고딕"/>
+              </a:rPr>
+              <a:t>  </a:t>
+            </a:r>
+            <a:r>
+              <a:rPr lang="en-US" altLang="ko-KR" sz="800" dirty="0" err="1">
+                <a:solidFill>
+                  <a:schemeClr val="tx1"/>
+                </a:solidFill>
+                <a:latin typeface="맑은 고딕"/>
+              </a:rPr>
+              <a:t>freq</a:t>
+            </a:r>
+            <a:r>
+              <a:rPr lang="en-US" altLang="ko-KR" sz="800" dirty="0">
+                <a:solidFill>
+                  <a:schemeClr val="tx1"/>
+                </a:solidFill>
+                <a:latin typeface="맑은 고딕"/>
+              </a:rPr>
+              <a:t> = fp.fft2(</a:t>
+            </a:r>
+            <a:r>
+              <a:rPr lang="en-US" altLang="ko-KR" sz="800" dirty="0" err="1">
+                <a:solidFill>
+                  <a:schemeClr val="tx1"/>
+                </a:solidFill>
+                <a:latin typeface="맑은 고딕"/>
+              </a:rPr>
+              <a:t>img_convert</a:t>
+            </a:r>
+            <a:r>
+              <a:rPr lang="en-US" altLang="ko-KR" sz="800" dirty="0">
+                <a:solidFill>
+                  <a:schemeClr val="tx1"/>
+                </a:solidFill>
+                <a:latin typeface="맑은 고딕"/>
+              </a:rPr>
+              <a:t>) </a:t>
+            </a:r>
+          </a:p>
+          <a:p>
+            <a:pPr algn="just">
+              <a:tabLst>
+                <a:tab pos="1736481" algn="l"/>
+              </a:tabLst>
+              <a:defRPr/>
+            </a:pPr>
+            <a:r>
+              <a:rPr lang="en-US" altLang="ko-KR" sz="800" dirty="0">
+                <a:solidFill>
+                  <a:schemeClr val="tx1"/>
+                </a:solidFill>
+                <a:latin typeface="맑은 고딕"/>
+              </a:rPr>
+              <a:t>  # </a:t>
+            </a:r>
+            <a:r>
+              <a:rPr lang="ko-KR" altLang="en-US" sz="800" dirty="0" err="1">
+                <a:solidFill>
+                  <a:schemeClr val="tx1"/>
+                </a:solidFill>
+                <a:latin typeface="맑은 고딕"/>
+              </a:rPr>
+              <a:t>가우시안</a:t>
+            </a:r>
+            <a:r>
+              <a:rPr lang="ko-KR" altLang="en-US" sz="800" dirty="0">
+                <a:solidFill>
+                  <a:schemeClr val="tx1"/>
+                </a:solidFill>
+                <a:latin typeface="맑은 고딕"/>
+              </a:rPr>
+              <a:t> 커널 </a:t>
+            </a:r>
+            <a:r>
+              <a:rPr lang="en-US" altLang="ko-KR" sz="800" dirty="0" err="1">
+                <a:solidFill>
+                  <a:schemeClr val="tx1"/>
+                </a:solidFill>
+                <a:latin typeface="맑은 고딕"/>
+              </a:rPr>
+              <a:t>fft</a:t>
+            </a:r>
+            <a:endParaRPr lang="en-US" altLang="ko-KR" sz="800" dirty="0">
+              <a:solidFill>
+                <a:schemeClr val="tx1"/>
+              </a:solidFill>
+              <a:latin typeface="맑은 고딕"/>
+            </a:endParaRPr>
+          </a:p>
+          <a:p>
+            <a:pPr algn="just">
+              <a:tabLst>
+                <a:tab pos="1736481" algn="l"/>
+              </a:tabLst>
+              <a:defRPr/>
+            </a:pPr>
+            <a:r>
+              <a:rPr lang="en-US" altLang="ko-KR" sz="800" dirty="0">
+                <a:solidFill>
+                  <a:schemeClr val="tx1"/>
+                </a:solidFill>
+                <a:latin typeface="맑은 고딕"/>
+              </a:rPr>
+              <a:t>  </a:t>
+            </a:r>
+            <a:r>
+              <a:rPr lang="en-US" altLang="ko-KR" sz="800" dirty="0" err="1">
+                <a:solidFill>
+                  <a:schemeClr val="tx1"/>
+                </a:solidFill>
+                <a:latin typeface="맑은 고딕"/>
+              </a:rPr>
+              <a:t>freq_kernel</a:t>
+            </a:r>
+            <a:r>
+              <a:rPr lang="en-US" altLang="ko-KR" sz="800" dirty="0">
+                <a:solidFill>
+                  <a:schemeClr val="tx1"/>
+                </a:solidFill>
+                <a:latin typeface="맑은 고딕"/>
+              </a:rPr>
+              <a:t> = fp.fft2(</a:t>
+            </a:r>
+            <a:r>
+              <a:rPr lang="en-US" altLang="ko-KR" sz="800" dirty="0" err="1">
+                <a:solidFill>
+                  <a:schemeClr val="tx1"/>
+                </a:solidFill>
+                <a:latin typeface="맑은 고딕"/>
+              </a:rPr>
+              <a:t>fp.ifftshift</a:t>
+            </a:r>
+            <a:r>
+              <a:rPr lang="en-US" altLang="ko-KR" sz="800" dirty="0">
+                <a:solidFill>
+                  <a:schemeClr val="tx1"/>
+                </a:solidFill>
+                <a:latin typeface="맑은 고딕"/>
+              </a:rPr>
+              <a:t>(</a:t>
+            </a:r>
+            <a:r>
+              <a:rPr lang="en-US" altLang="ko-KR" sz="800" dirty="0" err="1">
+                <a:solidFill>
+                  <a:schemeClr val="tx1"/>
+                </a:solidFill>
+                <a:latin typeface="맑은 고딕"/>
+              </a:rPr>
+              <a:t>gauss_kernel</a:t>
+            </a:r>
+            <a:r>
+              <a:rPr lang="en-US" altLang="ko-KR" sz="800" dirty="0">
+                <a:solidFill>
+                  <a:schemeClr val="tx1"/>
+                </a:solidFill>
+                <a:latin typeface="맑은 고딕"/>
+              </a:rPr>
+              <a:t>)) </a:t>
+            </a:r>
+          </a:p>
+          <a:p>
+            <a:pPr algn="just">
+              <a:tabLst>
+                <a:tab pos="1736481" algn="l"/>
+              </a:tabLst>
+              <a:defRPr/>
+            </a:pPr>
+            <a:r>
+              <a:rPr lang="en-US" altLang="ko-KR" sz="800" dirty="0">
+                <a:solidFill>
+                  <a:schemeClr val="tx1"/>
+                </a:solidFill>
+                <a:latin typeface="맑은 고딕"/>
+              </a:rPr>
+              <a:t>  # </a:t>
+            </a:r>
+            <a:r>
+              <a:rPr lang="en-US" altLang="ko-KR" sz="800" dirty="0" err="1">
+                <a:solidFill>
+                  <a:schemeClr val="tx1"/>
+                </a:solidFill>
+                <a:latin typeface="맑은 고딕"/>
+              </a:rPr>
+              <a:t>fp.ifftshift</a:t>
+            </a:r>
+            <a:r>
+              <a:rPr lang="en-US" altLang="ko-KR" sz="800" dirty="0">
+                <a:solidFill>
+                  <a:schemeClr val="tx1"/>
+                </a:solidFill>
+                <a:latin typeface="맑은 고딕"/>
+              </a:rPr>
+              <a:t> : </a:t>
+            </a:r>
+            <a:r>
+              <a:rPr lang="ko-KR" altLang="en-US" sz="800" dirty="0">
+                <a:solidFill>
+                  <a:schemeClr val="tx1"/>
+                </a:solidFill>
+                <a:latin typeface="맑은 고딕"/>
+              </a:rPr>
+              <a:t>이미지를 중앙으로 보낸다</a:t>
+            </a:r>
+            <a:r>
+              <a:rPr lang="en-US" altLang="ko-KR" sz="800" dirty="0">
+                <a:solidFill>
+                  <a:schemeClr val="tx1"/>
+                </a:solidFill>
+                <a:latin typeface="맑은 고딕"/>
+              </a:rPr>
+              <a:t>.</a:t>
+            </a:r>
+          </a:p>
+          <a:p>
+            <a:pPr algn="just">
+              <a:tabLst>
+                <a:tab pos="1736481" algn="l"/>
+              </a:tabLst>
+              <a:defRPr/>
+            </a:pPr>
+            <a:r>
+              <a:rPr lang="en-US" altLang="ko-KR" sz="800" dirty="0">
+                <a:solidFill>
+                  <a:schemeClr val="tx1"/>
+                </a:solidFill>
+                <a:latin typeface="맑은 고딕"/>
+              </a:rPr>
+              <a:t>  </a:t>
+            </a:r>
+          </a:p>
+          <a:p>
+            <a:pPr algn="just">
+              <a:tabLst>
+                <a:tab pos="1736481" algn="l"/>
+              </a:tabLst>
+              <a:defRPr/>
+            </a:pPr>
+            <a:r>
+              <a:rPr lang="en-US" altLang="ko-KR" sz="800" dirty="0">
+                <a:solidFill>
+                  <a:schemeClr val="tx1"/>
+                </a:solidFill>
+                <a:latin typeface="맑은 고딕"/>
+              </a:rPr>
+              <a:t>  # </a:t>
+            </a:r>
+            <a:r>
+              <a:rPr lang="en-US" altLang="ko-KR" sz="800" dirty="0" err="1">
+                <a:solidFill>
+                  <a:schemeClr val="tx1"/>
+                </a:solidFill>
+                <a:latin typeface="맑은 고딕"/>
+              </a:rPr>
+              <a:t>Scipy</a:t>
+            </a:r>
+            <a:r>
+              <a:rPr lang="en-US" altLang="ko-KR" sz="800" dirty="0">
+                <a:solidFill>
+                  <a:schemeClr val="tx1"/>
+                </a:solidFill>
+                <a:latin typeface="맑은 고딕"/>
+              </a:rPr>
+              <a:t> </a:t>
+            </a:r>
+            <a:r>
+              <a:rPr lang="ko-KR" altLang="en-US" sz="800" dirty="0">
+                <a:solidFill>
+                  <a:schemeClr val="tx1"/>
+                </a:solidFill>
+                <a:latin typeface="맑은 고딕"/>
+              </a:rPr>
+              <a:t>패키지 </a:t>
+            </a:r>
+            <a:r>
+              <a:rPr lang="en-US" altLang="ko-KR" sz="800" dirty="0" err="1">
+                <a:solidFill>
+                  <a:schemeClr val="tx1"/>
+                </a:solidFill>
+                <a:latin typeface="맑은 고딕"/>
+              </a:rPr>
+              <a:t>fftconvolve</a:t>
+            </a:r>
+            <a:r>
+              <a:rPr lang="en-US" altLang="ko-KR" sz="800" dirty="0">
+                <a:solidFill>
+                  <a:schemeClr val="tx1"/>
+                </a:solidFill>
+                <a:latin typeface="맑은 고딕"/>
+              </a:rPr>
+              <a:t>() </a:t>
+            </a:r>
+            <a:r>
+              <a:rPr lang="ko-KR" altLang="en-US" sz="800" dirty="0" err="1">
+                <a:solidFill>
+                  <a:schemeClr val="tx1"/>
+                </a:solidFill>
+                <a:latin typeface="맑은 고딕"/>
+              </a:rPr>
+              <a:t>컨볼루션</a:t>
+            </a:r>
+            <a:r>
+              <a:rPr lang="ko-KR" altLang="en-US" sz="800" dirty="0">
+                <a:solidFill>
+                  <a:schemeClr val="tx1"/>
+                </a:solidFill>
+                <a:latin typeface="맑은 고딕"/>
+              </a:rPr>
+              <a:t> 적용</a:t>
+            </a:r>
+          </a:p>
+          <a:p>
+            <a:pPr algn="just">
+              <a:tabLst>
+                <a:tab pos="1736481" algn="l"/>
+              </a:tabLst>
+              <a:defRPr/>
+            </a:pPr>
+            <a:r>
+              <a:rPr lang="ko-KR" altLang="en-US" sz="800" dirty="0">
+                <a:solidFill>
+                  <a:schemeClr val="tx1"/>
+                </a:solidFill>
+                <a:latin typeface="맑은 고딕"/>
+              </a:rPr>
+              <a:t>  </a:t>
+            </a:r>
+            <a:r>
+              <a:rPr lang="en-US" altLang="ko-KR" sz="800" dirty="0">
+                <a:solidFill>
+                  <a:schemeClr val="tx1"/>
+                </a:solidFill>
+                <a:latin typeface="맑은 고딕"/>
+              </a:rPr>
+              <a:t>convolved = </a:t>
+            </a:r>
+            <a:r>
+              <a:rPr lang="en-US" altLang="ko-KR" sz="800" dirty="0" err="1">
+                <a:solidFill>
+                  <a:schemeClr val="tx1"/>
+                </a:solidFill>
+                <a:latin typeface="맑은 고딕"/>
+              </a:rPr>
+              <a:t>signal.fftconvolve</a:t>
+            </a:r>
+            <a:r>
+              <a:rPr lang="en-US" altLang="ko-KR" sz="800" dirty="0">
+                <a:solidFill>
+                  <a:schemeClr val="tx1"/>
+                </a:solidFill>
+                <a:latin typeface="맑은 고딕"/>
+              </a:rPr>
+              <a:t>(</a:t>
+            </a:r>
+            <a:r>
+              <a:rPr lang="en-US" altLang="ko-KR" sz="800" dirty="0" err="1">
+                <a:solidFill>
+                  <a:schemeClr val="tx1"/>
+                </a:solidFill>
+                <a:latin typeface="맑은 고딕"/>
+              </a:rPr>
+              <a:t>img_convert</a:t>
+            </a:r>
+            <a:r>
+              <a:rPr lang="en-US" altLang="ko-KR" sz="800" dirty="0">
+                <a:solidFill>
+                  <a:schemeClr val="tx1"/>
+                </a:solidFill>
+                <a:latin typeface="맑은 고딕"/>
+              </a:rPr>
+              <a:t>, </a:t>
+            </a:r>
+            <a:r>
+              <a:rPr lang="en-US" altLang="ko-KR" sz="800" dirty="0" err="1">
+                <a:solidFill>
+                  <a:schemeClr val="tx1"/>
+                </a:solidFill>
+                <a:latin typeface="맑은 고딕"/>
+              </a:rPr>
+              <a:t>gauss_kernel</a:t>
+            </a:r>
+            <a:r>
+              <a:rPr lang="en-US" altLang="ko-KR" sz="800" dirty="0">
+                <a:solidFill>
+                  <a:schemeClr val="tx1"/>
+                </a:solidFill>
+                <a:latin typeface="맑은 고딕"/>
+              </a:rPr>
+              <a:t>, mode='same') </a:t>
+            </a:r>
+          </a:p>
+          <a:p>
+            <a:pPr algn="just">
+              <a:tabLst>
+                <a:tab pos="1736481" algn="l"/>
+              </a:tabLst>
+              <a:defRPr/>
+            </a:pPr>
+            <a:r>
+              <a:rPr lang="en-US" altLang="ko-KR" sz="800" dirty="0">
+                <a:solidFill>
+                  <a:schemeClr val="tx1"/>
+                </a:solidFill>
+                <a:latin typeface="맑은 고딕"/>
+              </a:rPr>
+              <a:t>   # .real </a:t>
+            </a:r>
+            <a:r>
+              <a:rPr lang="ko-KR" altLang="en-US" sz="800" dirty="0">
+                <a:solidFill>
+                  <a:schemeClr val="tx1"/>
+                </a:solidFill>
+                <a:latin typeface="맑은 고딕"/>
+              </a:rPr>
+              <a:t>실수만 선택 복소수 제거를 위함</a:t>
+            </a:r>
+          </a:p>
+          <a:p>
+            <a:pPr algn="just">
+              <a:tabLst>
+                <a:tab pos="1736481" algn="l"/>
+              </a:tabLst>
+              <a:defRPr/>
+            </a:pPr>
+            <a:r>
+              <a:rPr lang="ko-KR" altLang="en-US" sz="800" dirty="0">
+                <a:solidFill>
+                  <a:schemeClr val="tx1"/>
+                </a:solidFill>
+                <a:latin typeface="맑은 고딕"/>
+              </a:rPr>
+              <a:t>  </a:t>
+            </a:r>
+            <a:r>
+              <a:rPr lang="en-US" altLang="ko-KR" sz="800" dirty="0">
+                <a:solidFill>
+                  <a:schemeClr val="tx1"/>
+                </a:solidFill>
+                <a:latin typeface="맑은 고딕"/>
+              </a:rPr>
+              <a:t>im1 = fp.ifft2(convolved).real </a:t>
+            </a:r>
+          </a:p>
+          <a:p>
+            <a:pPr algn="just">
+              <a:tabLst>
+                <a:tab pos="1736481" algn="l"/>
+              </a:tabLst>
+              <a:defRPr/>
+            </a:pPr>
+            <a:r>
+              <a:rPr lang="en-US" altLang="ko-KR" sz="800" dirty="0">
+                <a:solidFill>
+                  <a:schemeClr val="tx1"/>
+                </a:solidFill>
+                <a:latin typeface="맑은 고딕"/>
+              </a:rPr>
+              <a:t>  </a:t>
+            </a:r>
+          </a:p>
+          <a:p>
+            <a:pPr algn="just">
+              <a:tabLst>
+                <a:tab pos="1736481" algn="l"/>
+              </a:tabLst>
+              <a:defRPr/>
+            </a:pPr>
+            <a:r>
+              <a:rPr lang="en-US" altLang="ko-KR" sz="800" dirty="0">
+                <a:solidFill>
+                  <a:schemeClr val="tx1"/>
+                </a:solidFill>
+                <a:latin typeface="맑은 고딕"/>
+              </a:rPr>
+              <a:t>  </a:t>
+            </a:r>
+            <a:r>
+              <a:rPr lang="en-US" altLang="ko-KR" sz="800" dirty="0" err="1">
+                <a:solidFill>
+                  <a:schemeClr val="tx1"/>
+                </a:solidFill>
+                <a:latin typeface="맑은 고딕"/>
+              </a:rPr>
+              <a:t>pylab.figure</a:t>
+            </a:r>
+            <a:r>
+              <a:rPr lang="en-US" altLang="ko-KR" sz="800" dirty="0">
+                <a:solidFill>
+                  <a:schemeClr val="tx1"/>
+                </a:solidFill>
+                <a:latin typeface="맑은 고딕"/>
+              </a:rPr>
+              <a:t>(</a:t>
+            </a:r>
+            <a:r>
+              <a:rPr lang="en-US" altLang="ko-KR" sz="800" dirty="0" err="1">
+                <a:solidFill>
+                  <a:schemeClr val="tx1"/>
+                </a:solidFill>
+                <a:latin typeface="맑은 고딕"/>
+              </a:rPr>
+              <a:t>figsize</a:t>
+            </a:r>
+            <a:r>
+              <a:rPr lang="en-US" altLang="ko-KR" sz="800" dirty="0">
+                <a:solidFill>
+                  <a:schemeClr val="tx1"/>
+                </a:solidFill>
+                <a:latin typeface="맑은 고딕"/>
+              </a:rPr>
+              <a:t>=(20,15))</a:t>
+            </a:r>
+          </a:p>
+          <a:p>
+            <a:pPr algn="just">
+              <a:tabLst>
+                <a:tab pos="1736481" algn="l"/>
+              </a:tabLst>
+              <a:defRPr/>
+            </a:pPr>
+            <a:r>
+              <a:rPr lang="en-US" altLang="ko-KR" sz="800" dirty="0">
+                <a:solidFill>
+                  <a:schemeClr val="tx1"/>
+                </a:solidFill>
+                <a:latin typeface="맑은 고딕"/>
+              </a:rPr>
+              <a:t>  </a:t>
+            </a:r>
+            <a:r>
+              <a:rPr lang="en-US" altLang="ko-KR" sz="800" dirty="0" err="1">
+                <a:solidFill>
+                  <a:schemeClr val="tx1"/>
+                </a:solidFill>
+                <a:latin typeface="맑은 고딕"/>
+              </a:rPr>
+              <a:t>pylab.subplot</a:t>
+            </a:r>
+            <a:r>
+              <a:rPr lang="en-US" altLang="ko-KR" sz="800" dirty="0">
+                <a:solidFill>
+                  <a:schemeClr val="tx1"/>
+                </a:solidFill>
+                <a:latin typeface="맑은 고딕"/>
+              </a:rPr>
+              <a:t>(1,6,1), </a:t>
+            </a:r>
+          </a:p>
+          <a:p>
+            <a:pPr algn="just">
+              <a:tabLst>
+                <a:tab pos="1736481" algn="l"/>
+              </a:tabLst>
+              <a:defRPr/>
+            </a:pPr>
+            <a:r>
+              <a:rPr lang="en-US" altLang="ko-KR" sz="800" dirty="0">
+                <a:solidFill>
+                  <a:schemeClr val="tx1"/>
+                </a:solidFill>
+                <a:latin typeface="맑은 고딕"/>
+              </a:rPr>
+              <a:t>  </a:t>
+            </a:r>
+            <a:r>
+              <a:rPr lang="en-US" altLang="ko-KR" sz="800" dirty="0" err="1">
+                <a:solidFill>
+                  <a:schemeClr val="tx1"/>
+                </a:solidFill>
+                <a:latin typeface="맑은 고딕"/>
+              </a:rPr>
+              <a:t>pylab.imshow</a:t>
+            </a:r>
+            <a:r>
+              <a:rPr lang="en-US" altLang="ko-KR" sz="800" dirty="0">
+                <a:solidFill>
+                  <a:schemeClr val="tx1"/>
+                </a:solidFill>
+                <a:latin typeface="맑은 고딕"/>
+              </a:rPr>
+              <a:t>(</a:t>
+            </a:r>
+            <a:r>
+              <a:rPr lang="en-US" altLang="ko-KR" sz="800" dirty="0" err="1">
+                <a:solidFill>
+                  <a:schemeClr val="tx1"/>
+                </a:solidFill>
+                <a:latin typeface="맑은 고딕"/>
+              </a:rPr>
+              <a:t>img_arr</a:t>
+            </a:r>
+            <a:r>
+              <a:rPr lang="en-US" altLang="ko-KR" sz="800" dirty="0">
+                <a:solidFill>
+                  <a:schemeClr val="tx1"/>
+                </a:solidFill>
+                <a:latin typeface="맑은 고딕"/>
+              </a:rPr>
+              <a:t>[</a:t>
+            </a:r>
+            <a:r>
+              <a:rPr lang="en-US" altLang="ko-KR" sz="800" dirty="0" err="1">
+                <a:solidFill>
+                  <a:schemeClr val="tx1"/>
+                </a:solidFill>
+                <a:latin typeface="맑은 고딕"/>
+              </a:rPr>
+              <a:t>i</a:t>
+            </a:r>
+            <a:r>
+              <a:rPr lang="en-US" altLang="ko-KR" sz="800" dirty="0">
+                <a:solidFill>
+                  <a:schemeClr val="tx1"/>
+                </a:solidFill>
+                <a:latin typeface="맑은 고딕"/>
+              </a:rPr>
+              <a:t>]), </a:t>
+            </a:r>
+            <a:r>
+              <a:rPr lang="en-US" altLang="ko-KR" sz="800" dirty="0" err="1">
+                <a:solidFill>
+                  <a:schemeClr val="tx1"/>
+                </a:solidFill>
+                <a:latin typeface="맑은 고딕"/>
+              </a:rPr>
+              <a:t>pylab.title</a:t>
+            </a:r>
+            <a:r>
+              <a:rPr lang="en-US" altLang="ko-KR" sz="800" dirty="0">
+                <a:solidFill>
+                  <a:schemeClr val="tx1"/>
+                </a:solidFill>
+                <a:latin typeface="맑은 고딕"/>
+              </a:rPr>
+              <a:t>('Original </a:t>
+            </a:r>
+            <a:r>
+              <a:rPr lang="en-US" altLang="ko-KR" sz="800" dirty="0" err="1">
+                <a:solidFill>
+                  <a:schemeClr val="tx1"/>
+                </a:solidFill>
+                <a:latin typeface="맑은 고딕"/>
+              </a:rPr>
+              <a:t>Image',size</a:t>
+            </a:r>
+            <a:r>
+              <a:rPr lang="en-US" altLang="ko-KR" sz="800" dirty="0">
+                <a:solidFill>
+                  <a:schemeClr val="tx1"/>
+                </a:solidFill>
+                <a:latin typeface="맑은 고딕"/>
+              </a:rPr>
+              <a:t>=20), </a:t>
+            </a:r>
+            <a:r>
+              <a:rPr lang="en-US" altLang="ko-KR" sz="800" dirty="0" err="1">
+                <a:solidFill>
+                  <a:schemeClr val="tx1"/>
+                </a:solidFill>
+                <a:latin typeface="맑은 고딕"/>
+              </a:rPr>
+              <a:t>pylab.axis</a:t>
+            </a:r>
+            <a:r>
+              <a:rPr lang="en-US" altLang="ko-KR" sz="800" dirty="0">
+                <a:solidFill>
+                  <a:schemeClr val="tx1"/>
+                </a:solidFill>
+                <a:latin typeface="맑은 고딕"/>
+              </a:rPr>
+              <a:t>('off')</a:t>
+            </a:r>
+          </a:p>
+          <a:p>
+            <a:pPr algn="just">
+              <a:tabLst>
+                <a:tab pos="1736481" algn="l"/>
+              </a:tabLst>
+              <a:defRPr/>
+            </a:pPr>
+            <a:r>
+              <a:rPr lang="en-US" altLang="ko-KR" sz="800" dirty="0">
+                <a:solidFill>
+                  <a:schemeClr val="tx1"/>
+                </a:solidFill>
+                <a:latin typeface="맑은 고딕"/>
+              </a:rPr>
+              <a:t>  </a:t>
+            </a:r>
+            <a:r>
+              <a:rPr lang="en-US" altLang="ko-KR" sz="800" dirty="0" err="1">
+                <a:solidFill>
+                  <a:schemeClr val="tx1"/>
+                </a:solidFill>
+                <a:latin typeface="맑은 고딕"/>
+              </a:rPr>
+              <a:t>pylab.subplot</a:t>
+            </a:r>
+            <a:r>
+              <a:rPr lang="en-US" altLang="ko-KR" sz="800" dirty="0">
+                <a:solidFill>
+                  <a:schemeClr val="tx1"/>
+                </a:solidFill>
+                <a:latin typeface="맑은 고딕"/>
+              </a:rPr>
+              <a:t>(1,6,3), </a:t>
+            </a:r>
+          </a:p>
+          <a:p>
+            <a:pPr algn="just">
+              <a:tabLst>
+                <a:tab pos="1736481" algn="l"/>
+              </a:tabLst>
+              <a:defRPr/>
+            </a:pPr>
+            <a:r>
+              <a:rPr lang="en-US" altLang="ko-KR" sz="800" dirty="0">
+                <a:solidFill>
+                  <a:schemeClr val="tx1"/>
+                </a:solidFill>
+                <a:latin typeface="맑은 고딕"/>
+              </a:rPr>
+              <a:t>  </a:t>
+            </a:r>
+            <a:r>
+              <a:rPr lang="en-US" altLang="ko-KR" sz="800" dirty="0" err="1">
+                <a:solidFill>
+                  <a:schemeClr val="tx1"/>
+                </a:solidFill>
+                <a:latin typeface="맑은 고딕"/>
+              </a:rPr>
+              <a:t>pylab.imshow</a:t>
+            </a:r>
+            <a:r>
+              <a:rPr lang="en-US" altLang="ko-KR" sz="800" dirty="0">
+                <a:solidFill>
+                  <a:schemeClr val="tx1"/>
+                </a:solidFill>
+                <a:latin typeface="맑은 고딕"/>
+              </a:rPr>
+              <a:t>(</a:t>
+            </a:r>
+            <a:r>
+              <a:rPr lang="en-US" altLang="ko-KR" sz="800" dirty="0" err="1">
+                <a:solidFill>
+                  <a:schemeClr val="tx1"/>
+                </a:solidFill>
+                <a:latin typeface="맑은 고딕"/>
+              </a:rPr>
+              <a:t>gauss_kernel</a:t>
+            </a:r>
+            <a:r>
+              <a:rPr lang="en-US" altLang="ko-KR" sz="800" dirty="0">
+                <a:solidFill>
+                  <a:schemeClr val="tx1"/>
+                </a:solidFill>
+                <a:latin typeface="맑은 고딕"/>
+              </a:rPr>
+              <a:t>), </a:t>
+            </a:r>
+            <a:r>
+              <a:rPr lang="en-US" altLang="ko-KR" sz="800" dirty="0" err="1">
+                <a:solidFill>
+                  <a:schemeClr val="tx1"/>
+                </a:solidFill>
+                <a:latin typeface="맑은 고딕"/>
+              </a:rPr>
+              <a:t>pylab.title</a:t>
+            </a:r>
+            <a:r>
+              <a:rPr lang="en-US" altLang="ko-KR" sz="800" dirty="0">
+                <a:solidFill>
+                  <a:schemeClr val="tx1"/>
+                </a:solidFill>
+                <a:latin typeface="맑은 고딕"/>
+              </a:rPr>
+              <a:t>('Gaussian Kernel', size=20)</a:t>
+            </a:r>
+          </a:p>
+          <a:p>
+            <a:pPr algn="just">
+              <a:tabLst>
+                <a:tab pos="1736481" algn="l"/>
+              </a:tabLst>
+              <a:defRPr/>
+            </a:pPr>
+            <a:r>
+              <a:rPr lang="en-US" altLang="ko-KR" sz="800" dirty="0">
+                <a:solidFill>
+                  <a:schemeClr val="tx1"/>
+                </a:solidFill>
+                <a:latin typeface="맑은 고딕"/>
+              </a:rPr>
+              <a:t>  </a:t>
+            </a:r>
+            <a:r>
+              <a:rPr lang="en-US" altLang="ko-KR" sz="800" dirty="0" err="1">
+                <a:solidFill>
+                  <a:schemeClr val="tx1"/>
+                </a:solidFill>
+                <a:latin typeface="맑은 고딕"/>
+              </a:rPr>
+              <a:t>pylab.subplot</a:t>
+            </a:r>
+            <a:r>
+              <a:rPr lang="en-US" altLang="ko-KR" sz="800" dirty="0">
+                <a:solidFill>
+                  <a:schemeClr val="tx1"/>
+                </a:solidFill>
+                <a:latin typeface="맑은 고딕"/>
+              </a:rPr>
+              <a:t>(1,6,5), </a:t>
+            </a:r>
+          </a:p>
+          <a:p>
+            <a:pPr algn="just">
+              <a:tabLst>
+                <a:tab pos="1736481" algn="l"/>
+              </a:tabLst>
+              <a:defRPr/>
+            </a:pPr>
+            <a:r>
+              <a:rPr lang="en-US" altLang="ko-KR" sz="800" dirty="0">
+                <a:solidFill>
+                  <a:schemeClr val="tx1"/>
+                </a:solidFill>
+                <a:latin typeface="맑은 고딕"/>
+              </a:rPr>
+              <a:t>  </a:t>
+            </a:r>
+            <a:r>
+              <a:rPr lang="en-US" altLang="ko-KR" sz="800" dirty="0" err="1">
+                <a:solidFill>
+                  <a:schemeClr val="tx1"/>
+                </a:solidFill>
+                <a:latin typeface="맑은 고딕"/>
+              </a:rPr>
+              <a:t>pylab.imshow</a:t>
+            </a:r>
+            <a:r>
+              <a:rPr lang="en-US" altLang="ko-KR" sz="800" dirty="0">
+                <a:solidFill>
+                  <a:schemeClr val="tx1"/>
+                </a:solidFill>
+                <a:latin typeface="맑은 고딕"/>
+              </a:rPr>
+              <a:t>(convolved) , </a:t>
+            </a:r>
+            <a:r>
+              <a:rPr lang="en-US" altLang="ko-KR" sz="800" dirty="0" err="1">
+                <a:solidFill>
+                  <a:schemeClr val="tx1"/>
+                </a:solidFill>
+                <a:latin typeface="맑은 고딕"/>
+              </a:rPr>
+              <a:t>pylab.title</a:t>
+            </a:r>
+            <a:r>
+              <a:rPr lang="en-US" altLang="ko-KR" sz="800" dirty="0">
+                <a:solidFill>
+                  <a:schemeClr val="tx1"/>
+                </a:solidFill>
+                <a:latin typeface="맑은 고딕"/>
+              </a:rPr>
+              <a:t>('Output Image', size=20), </a:t>
+            </a:r>
+            <a:r>
+              <a:rPr lang="en-US" altLang="ko-KR" sz="800" dirty="0" err="1">
+                <a:solidFill>
+                  <a:schemeClr val="tx1"/>
+                </a:solidFill>
+                <a:latin typeface="맑은 고딕"/>
+              </a:rPr>
+              <a:t>pylab.axis</a:t>
+            </a:r>
+            <a:r>
+              <a:rPr lang="en-US" altLang="ko-KR" sz="800" dirty="0">
+                <a:solidFill>
+                  <a:schemeClr val="tx1"/>
+                </a:solidFill>
+                <a:latin typeface="맑은 고딕"/>
+              </a:rPr>
+              <a:t>('off')</a:t>
+            </a:r>
+          </a:p>
+          <a:p>
+            <a:pPr algn="just">
+              <a:tabLst>
+                <a:tab pos="1736481" algn="l"/>
+              </a:tabLst>
+              <a:defRPr/>
+            </a:pPr>
+            <a:r>
+              <a:rPr lang="en-US" altLang="ko-KR" sz="800" dirty="0">
+                <a:solidFill>
+                  <a:schemeClr val="tx1"/>
+                </a:solidFill>
+                <a:latin typeface="맑은 고딕"/>
+              </a:rPr>
+              <a:t>  </a:t>
+            </a:r>
+            <a:r>
+              <a:rPr lang="en-US" altLang="ko-KR" sz="800" dirty="0" err="1">
+                <a:solidFill>
+                  <a:schemeClr val="tx1"/>
+                </a:solidFill>
+                <a:latin typeface="맑은 고딕"/>
+              </a:rPr>
+              <a:t>pylab.subplot</a:t>
+            </a:r>
+            <a:r>
+              <a:rPr lang="en-US" altLang="ko-KR" sz="800" dirty="0">
+                <a:solidFill>
+                  <a:schemeClr val="tx1"/>
+                </a:solidFill>
+                <a:latin typeface="맑은 고딕"/>
+              </a:rPr>
+              <a:t>(1,6,2), </a:t>
+            </a:r>
+          </a:p>
+          <a:p>
+            <a:pPr algn="just">
+              <a:tabLst>
+                <a:tab pos="1736481" algn="l"/>
+              </a:tabLst>
+              <a:defRPr/>
+            </a:pPr>
+            <a:r>
+              <a:rPr lang="en-US" altLang="ko-KR" sz="800" dirty="0">
+                <a:solidFill>
+                  <a:schemeClr val="tx1"/>
+                </a:solidFill>
+                <a:latin typeface="맑은 고딕"/>
+              </a:rPr>
+              <a:t>  </a:t>
+            </a:r>
+            <a:r>
+              <a:rPr lang="en-US" altLang="ko-KR" sz="800" dirty="0" err="1">
+                <a:solidFill>
+                  <a:schemeClr val="tx1"/>
+                </a:solidFill>
+                <a:latin typeface="맑은 고딕"/>
+              </a:rPr>
+              <a:t>pylab.imshow</a:t>
+            </a:r>
+            <a:r>
+              <a:rPr lang="en-US" altLang="ko-KR" sz="800" dirty="0">
+                <a:solidFill>
+                  <a:schemeClr val="tx1"/>
+                </a:solidFill>
+                <a:latin typeface="맑은 고딕"/>
+              </a:rPr>
+              <a:t>( (20*np.log10( 0.1 + </a:t>
+            </a:r>
+            <a:r>
+              <a:rPr lang="en-US" altLang="ko-KR" sz="800" dirty="0" err="1">
+                <a:solidFill>
+                  <a:schemeClr val="tx1"/>
+                </a:solidFill>
+                <a:latin typeface="맑은 고딕"/>
+              </a:rPr>
+              <a:t>fp.fftshift</a:t>
+            </a:r>
+            <a:r>
+              <a:rPr lang="en-US" altLang="ko-KR" sz="800" dirty="0">
+                <a:solidFill>
+                  <a:schemeClr val="tx1"/>
+                </a:solidFill>
+                <a:latin typeface="맑은 고딕"/>
+              </a:rPr>
+              <a:t>(</a:t>
+            </a:r>
+            <a:r>
+              <a:rPr lang="en-US" altLang="ko-KR" sz="800" dirty="0" err="1">
+                <a:solidFill>
+                  <a:schemeClr val="tx1"/>
+                </a:solidFill>
+                <a:latin typeface="맑은 고딕"/>
+              </a:rPr>
+              <a:t>freq</a:t>
+            </a:r>
+            <a:r>
+              <a:rPr lang="en-US" altLang="ko-KR" sz="800" dirty="0">
+                <a:solidFill>
+                  <a:schemeClr val="tx1"/>
+                </a:solidFill>
+                <a:latin typeface="맑은 고딕"/>
+              </a:rPr>
+              <a:t>))).</a:t>
+            </a:r>
+            <a:r>
+              <a:rPr lang="en-US" altLang="ko-KR" sz="800" dirty="0" err="1">
+                <a:solidFill>
+                  <a:schemeClr val="tx1"/>
+                </a:solidFill>
+                <a:latin typeface="맑은 고딕"/>
+              </a:rPr>
+              <a:t>astype</a:t>
+            </a:r>
+            <a:r>
+              <a:rPr lang="en-US" altLang="ko-KR" sz="800" dirty="0">
+                <a:solidFill>
+                  <a:schemeClr val="tx1"/>
+                </a:solidFill>
+                <a:latin typeface="맑은 고딕"/>
+              </a:rPr>
+              <a:t>(int)), </a:t>
+            </a:r>
+            <a:r>
+              <a:rPr lang="en-US" altLang="ko-KR" sz="800" dirty="0" err="1">
+                <a:solidFill>
+                  <a:schemeClr val="tx1"/>
+                </a:solidFill>
+                <a:latin typeface="맑은 고딕"/>
+              </a:rPr>
+              <a:t>pylab.title</a:t>
+            </a:r>
+            <a:r>
+              <a:rPr lang="en-US" altLang="ko-KR" sz="800" dirty="0">
+                <a:solidFill>
+                  <a:schemeClr val="tx1"/>
+                </a:solidFill>
+                <a:latin typeface="맑은 고딕"/>
+              </a:rPr>
+              <a:t>('Original Image Spectrum', size=12), </a:t>
+            </a:r>
+            <a:r>
+              <a:rPr lang="en-US" altLang="ko-KR" sz="800" dirty="0" err="1">
+                <a:solidFill>
+                  <a:schemeClr val="tx1"/>
+                </a:solidFill>
+                <a:latin typeface="맑은 고딕"/>
+              </a:rPr>
+              <a:t>pylab.axis</a:t>
+            </a:r>
+            <a:r>
+              <a:rPr lang="en-US" altLang="ko-KR" sz="800" dirty="0">
+                <a:solidFill>
+                  <a:schemeClr val="tx1"/>
+                </a:solidFill>
+                <a:latin typeface="맑은 고딕"/>
+              </a:rPr>
+              <a:t>('off')</a:t>
+            </a:r>
+          </a:p>
+          <a:p>
+            <a:pPr algn="just">
+              <a:tabLst>
+                <a:tab pos="1736481" algn="l"/>
+              </a:tabLst>
+              <a:defRPr/>
+            </a:pPr>
+            <a:r>
+              <a:rPr lang="en-US" altLang="ko-KR" sz="800" dirty="0">
+                <a:solidFill>
+                  <a:schemeClr val="tx1"/>
+                </a:solidFill>
+                <a:latin typeface="맑은 고딕"/>
+              </a:rPr>
+              <a:t>  </a:t>
+            </a:r>
+            <a:r>
+              <a:rPr lang="en-US" altLang="ko-KR" sz="800" dirty="0" err="1">
+                <a:solidFill>
+                  <a:schemeClr val="tx1"/>
+                </a:solidFill>
+                <a:latin typeface="맑은 고딕"/>
+              </a:rPr>
+              <a:t>pylab.subplot</a:t>
+            </a:r>
+            <a:r>
+              <a:rPr lang="en-US" altLang="ko-KR" sz="800" dirty="0">
+                <a:solidFill>
+                  <a:schemeClr val="tx1"/>
+                </a:solidFill>
+                <a:latin typeface="맑은 고딕"/>
+              </a:rPr>
+              <a:t>(1,6,4), </a:t>
+            </a:r>
+          </a:p>
+          <a:p>
+            <a:pPr algn="just">
+              <a:tabLst>
+                <a:tab pos="1736481" algn="l"/>
+              </a:tabLst>
+              <a:defRPr/>
+            </a:pPr>
+            <a:r>
+              <a:rPr lang="en-US" altLang="ko-KR" sz="800" dirty="0">
+                <a:solidFill>
+                  <a:schemeClr val="tx1"/>
+                </a:solidFill>
+                <a:latin typeface="맑은 고딕"/>
+              </a:rPr>
+              <a:t>  </a:t>
+            </a:r>
+            <a:r>
+              <a:rPr lang="en-US" altLang="ko-KR" sz="800" dirty="0" err="1">
+                <a:solidFill>
+                  <a:schemeClr val="tx1"/>
+                </a:solidFill>
+                <a:latin typeface="맑은 고딕"/>
+              </a:rPr>
+              <a:t>pylab.imshow</a:t>
+            </a:r>
+            <a:r>
+              <a:rPr lang="en-US" altLang="ko-KR" sz="800" dirty="0">
+                <a:solidFill>
+                  <a:schemeClr val="tx1"/>
+                </a:solidFill>
+                <a:latin typeface="맑은 고딕"/>
+              </a:rPr>
+              <a:t>( (20*np.log10( 0.1 + </a:t>
+            </a:r>
+            <a:r>
+              <a:rPr lang="en-US" altLang="ko-KR" sz="800" dirty="0" err="1">
+                <a:solidFill>
+                  <a:schemeClr val="tx1"/>
+                </a:solidFill>
+                <a:latin typeface="맑은 고딕"/>
+              </a:rPr>
+              <a:t>fp.fftshift</a:t>
+            </a:r>
+            <a:r>
+              <a:rPr lang="en-US" altLang="ko-KR" sz="800" dirty="0">
+                <a:solidFill>
+                  <a:schemeClr val="tx1"/>
+                </a:solidFill>
+                <a:latin typeface="맑은 고딕"/>
+              </a:rPr>
+              <a:t>(</a:t>
+            </a:r>
+            <a:r>
+              <a:rPr lang="en-US" altLang="ko-KR" sz="800" dirty="0" err="1">
+                <a:solidFill>
+                  <a:schemeClr val="tx1"/>
+                </a:solidFill>
+                <a:latin typeface="맑은 고딕"/>
+              </a:rPr>
+              <a:t>freq_kernel</a:t>
+            </a:r>
+            <a:r>
+              <a:rPr lang="en-US" altLang="ko-KR" sz="800" dirty="0">
+                <a:solidFill>
+                  <a:schemeClr val="tx1"/>
+                </a:solidFill>
+                <a:latin typeface="맑은 고딕"/>
+              </a:rPr>
+              <a:t>))).</a:t>
+            </a:r>
+            <a:r>
+              <a:rPr lang="en-US" altLang="ko-KR" sz="800" dirty="0" err="1">
+                <a:solidFill>
+                  <a:schemeClr val="tx1"/>
+                </a:solidFill>
+                <a:latin typeface="맑은 고딕"/>
+              </a:rPr>
+              <a:t>astype</a:t>
+            </a:r>
+            <a:r>
+              <a:rPr lang="en-US" altLang="ko-KR" sz="800" dirty="0">
+                <a:solidFill>
+                  <a:schemeClr val="tx1"/>
+                </a:solidFill>
+                <a:latin typeface="맑은 고딕"/>
+              </a:rPr>
+              <a:t>(int)), </a:t>
+            </a:r>
+            <a:r>
+              <a:rPr lang="en-US" altLang="ko-KR" sz="800" dirty="0" err="1">
+                <a:solidFill>
+                  <a:schemeClr val="tx1"/>
+                </a:solidFill>
+                <a:latin typeface="맑은 고딕"/>
+              </a:rPr>
+              <a:t>pylab.title</a:t>
+            </a:r>
+            <a:r>
+              <a:rPr lang="en-US" altLang="ko-KR" sz="800" dirty="0">
+                <a:solidFill>
+                  <a:schemeClr val="tx1"/>
+                </a:solidFill>
+                <a:latin typeface="맑은 고딕"/>
+              </a:rPr>
+              <a:t>('Gaussian Kernel Spectrum', size=12)</a:t>
+            </a:r>
+          </a:p>
+          <a:p>
+            <a:pPr algn="just">
+              <a:tabLst>
+                <a:tab pos="1736481" algn="l"/>
+              </a:tabLst>
+              <a:defRPr/>
+            </a:pPr>
+            <a:r>
+              <a:rPr lang="en-US" altLang="ko-KR" sz="800" dirty="0">
+                <a:solidFill>
+                  <a:schemeClr val="tx1"/>
+                </a:solidFill>
+                <a:latin typeface="맑은 고딕"/>
+              </a:rPr>
+              <a:t>  </a:t>
+            </a:r>
+            <a:r>
+              <a:rPr lang="en-US" altLang="ko-KR" sz="800" dirty="0" err="1">
+                <a:solidFill>
+                  <a:schemeClr val="tx1"/>
+                </a:solidFill>
+                <a:latin typeface="맑은 고딕"/>
+              </a:rPr>
+              <a:t>pylab.subplot</a:t>
+            </a:r>
+            <a:r>
+              <a:rPr lang="en-US" altLang="ko-KR" sz="800" dirty="0">
+                <a:solidFill>
+                  <a:schemeClr val="tx1"/>
+                </a:solidFill>
+                <a:latin typeface="맑은 고딕"/>
+              </a:rPr>
+              <a:t>(1,6,6)</a:t>
+            </a:r>
+          </a:p>
+          <a:p>
+            <a:pPr algn="just">
+              <a:tabLst>
+                <a:tab pos="1736481" algn="l"/>
+              </a:tabLst>
+              <a:defRPr/>
+            </a:pPr>
+            <a:r>
+              <a:rPr lang="en-US" altLang="ko-KR" sz="800" dirty="0">
+                <a:solidFill>
+                  <a:schemeClr val="tx1"/>
+                </a:solidFill>
+                <a:latin typeface="맑은 고딕"/>
+              </a:rPr>
+              <a:t>  </a:t>
+            </a:r>
+            <a:r>
+              <a:rPr lang="en-US" altLang="ko-KR" sz="800" dirty="0" err="1">
+                <a:solidFill>
+                  <a:schemeClr val="tx1"/>
+                </a:solidFill>
+                <a:latin typeface="맑은 고딕"/>
+              </a:rPr>
+              <a:t>pylab.imshow</a:t>
+            </a:r>
+            <a:r>
+              <a:rPr lang="en-US" altLang="ko-KR" sz="800" dirty="0">
+                <a:solidFill>
+                  <a:schemeClr val="tx1"/>
+                </a:solidFill>
+                <a:latin typeface="맑은 고딕"/>
+              </a:rPr>
+              <a:t>( (20*np.log10( 0.1 + </a:t>
+            </a:r>
+            <a:r>
+              <a:rPr lang="en-US" altLang="ko-KR" sz="800" dirty="0" err="1">
+                <a:solidFill>
+                  <a:schemeClr val="tx1"/>
+                </a:solidFill>
+                <a:latin typeface="맑은 고딕"/>
+              </a:rPr>
+              <a:t>fp.fftshift</a:t>
+            </a:r>
+            <a:r>
+              <a:rPr lang="en-US" altLang="ko-KR" sz="800" dirty="0">
+                <a:solidFill>
+                  <a:schemeClr val="tx1"/>
+                </a:solidFill>
+                <a:latin typeface="맑은 고딕"/>
+              </a:rPr>
+              <a:t>(fp.fft2(convolved).real)).</a:t>
+            </a:r>
+            <a:r>
+              <a:rPr lang="en-US" altLang="ko-KR" sz="800" dirty="0" err="1">
+                <a:solidFill>
+                  <a:schemeClr val="tx1"/>
+                </a:solidFill>
+                <a:latin typeface="맑은 고딕"/>
+              </a:rPr>
+              <a:t>astype</a:t>
+            </a:r>
+            <a:r>
+              <a:rPr lang="en-US" altLang="ko-KR" sz="800" dirty="0">
+                <a:solidFill>
+                  <a:schemeClr val="tx1"/>
+                </a:solidFill>
+                <a:latin typeface="맑은 고딕"/>
+              </a:rPr>
+              <a:t>(int)) ), </a:t>
+            </a:r>
+            <a:r>
+              <a:rPr lang="en-US" altLang="ko-KR" sz="800" dirty="0" err="1">
+                <a:solidFill>
+                  <a:schemeClr val="tx1"/>
+                </a:solidFill>
+                <a:latin typeface="맑은 고딕"/>
+              </a:rPr>
+              <a:t>pylab.title</a:t>
+            </a:r>
+            <a:r>
+              <a:rPr lang="en-US" altLang="ko-KR" sz="800" dirty="0">
+                <a:solidFill>
+                  <a:schemeClr val="tx1"/>
+                </a:solidFill>
+                <a:latin typeface="맑은 고딕"/>
+              </a:rPr>
+              <a:t>('Output Image Spectrum', size=12), </a:t>
+            </a:r>
+            <a:r>
+              <a:rPr lang="en-US" altLang="ko-KR" sz="800" dirty="0" err="1">
+                <a:solidFill>
+                  <a:schemeClr val="tx1"/>
+                </a:solidFill>
+                <a:latin typeface="맑은 고딕"/>
+              </a:rPr>
+              <a:t>pylab.axis</a:t>
+            </a:r>
+            <a:r>
+              <a:rPr lang="en-US" altLang="ko-KR" sz="800" dirty="0">
+                <a:solidFill>
+                  <a:schemeClr val="tx1"/>
+                </a:solidFill>
+                <a:latin typeface="맑은 고딕"/>
+              </a:rPr>
+              <a:t>('off')</a:t>
+            </a:r>
+          </a:p>
+          <a:p>
+            <a:pPr algn="just">
+              <a:tabLst>
+                <a:tab pos="1736481" algn="l"/>
+              </a:tabLst>
+              <a:defRPr/>
+            </a:pPr>
+            <a:r>
+              <a:rPr lang="en-US" altLang="ko-KR" sz="800" dirty="0">
+                <a:solidFill>
+                  <a:schemeClr val="tx1"/>
+                </a:solidFill>
+                <a:latin typeface="맑은 고딕"/>
+              </a:rPr>
+              <a:t>  </a:t>
+            </a:r>
+            <a:r>
+              <a:rPr lang="en-US" altLang="ko-KR" sz="800" dirty="0" err="1">
+                <a:solidFill>
+                  <a:schemeClr val="tx1"/>
+                </a:solidFill>
+                <a:latin typeface="맑은 고딕"/>
+              </a:rPr>
+              <a:t>pylab.subplots_adjust</a:t>
+            </a:r>
+            <a:r>
+              <a:rPr lang="en-US" altLang="ko-KR" sz="800" dirty="0">
+                <a:solidFill>
+                  <a:schemeClr val="tx1"/>
+                </a:solidFill>
+                <a:latin typeface="맑은 고딕"/>
+              </a:rPr>
+              <a:t>(</a:t>
+            </a:r>
+            <a:r>
+              <a:rPr lang="en-US" altLang="ko-KR" sz="800" dirty="0" err="1">
+                <a:solidFill>
+                  <a:schemeClr val="tx1"/>
+                </a:solidFill>
+                <a:latin typeface="맑은 고딕"/>
+              </a:rPr>
+              <a:t>wspace</a:t>
+            </a:r>
+            <a:r>
+              <a:rPr lang="en-US" altLang="ko-KR" sz="800" dirty="0">
+                <a:solidFill>
+                  <a:schemeClr val="tx1"/>
+                </a:solidFill>
+                <a:latin typeface="맑은 고딕"/>
+              </a:rPr>
+              <a:t>=0.2, </a:t>
+            </a:r>
+            <a:r>
+              <a:rPr lang="en-US" altLang="ko-KR" sz="800" dirty="0" err="1">
+                <a:solidFill>
+                  <a:schemeClr val="tx1"/>
+                </a:solidFill>
+                <a:latin typeface="맑은 고딕"/>
+              </a:rPr>
+              <a:t>hspace</a:t>
+            </a:r>
+            <a:r>
+              <a:rPr lang="en-US" altLang="ko-KR" sz="800" dirty="0">
+                <a:solidFill>
+                  <a:schemeClr val="tx1"/>
+                </a:solidFill>
+                <a:latin typeface="맑은 고딕"/>
+              </a:rPr>
+              <a:t>=0)</a:t>
+            </a:r>
+          </a:p>
+          <a:p>
+            <a:pPr algn="just">
+              <a:tabLst>
+                <a:tab pos="1736481" algn="l"/>
+              </a:tabLst>
+              <a:defRPr/>
+            </a:pPr>
+            <a:r>
+              <a:rPr lang="en-US" altLang="ko-KR" sz="800" dirty="0">
+                <a:solidFill>
+                  <a:schemeClr val="tx1"/>
+                </a:solidFill>
+                <a:latin typeface="맑은 고딕"/>
+              </a:rPr>
+              <a:t>  </a:t>
+            </a:r>
+            <a:r>
+              <a:rPr lang="en-US" altLang="ko-KR" sz="800" dirty="0" err="1">
+                <a:solidFill>
+                  <a:schemeClr val="tx1"/>
+                </a:solidFill>
+                <a:latin typeface="맑은 고딕"/>
+              </a:rPr>
+              <a:t>pylab.show</a:t>
+            </a:r>
+            <a:r>
+              <a:rPr lang="en-US" altLang="ko-KR" sz="800" dirty="0">
+                <a:solidFill>
+                  <a:schemeClr val="tx1"/>
+                </a:solidFill>
+                <a:latin typeface="맑은 고딕"/>
+              </a:rPr>
+              <a:t>()</a:t>
+            </a:r>
+          </a:p>
+          <a:p>
+            <a:pPr algn="just">
+              <a:tabLst>
+                <a:tab pos="1736481" algn="l"/>
+              </a:tabLst>
+              <a:defRPr/>
+            </a:pPr>
+            <a:r>
+              <a:rPr lang="en-US" altLang="ko-KR" sz="800" dirty="0">
+                <a:solidFill>
+                  <a:schemeClr val="tx1"/>
+                </a:solidFill>
+                <a:latin typeface="맑은 고딕"/>
+              </a:rPr>
+              <a:t>  </a:t>
+            </a:r>
+            <a:r>
+              <a:rPr lang="en-US" altLang="ko-KR" sz="800" dirty="0" err="1">
+                <a:solidFill>
+                  <a:schemeClr val="tx1"/>
+                </a:solidFill>
+                <a:latin typeface="맑은 고딕"/>
+              </a:rPr>
+              <a:t>color_arr.append</a:t>
+            </a:r>
+            <a:r>
+              <a:rPr lang="en-US" altLang="ko-KR" sz="800" dirty="0">
+                <a:solidFill>
+                  <a:schemeClr val="tx1"/>
+                </a:solidFill>
+                <a:latin typeface="맑은 고딕"/>
+              </a:rPr>
+              <a:t>( ( convolved ).</a:t>
+            </a:r>
+            <a:r>
+              <a:rPr lang="en-US" altLang="ko-KR" sz="800" dirty="0" err="1">
+                <a:solidFill>
+                  <a:schemeClr val="tx1"/>
+                </a:solidFill>
+                <a:latin typeface="맑은 고딕"/>
+              </a:rPr>
+              <a:t>astype</a:t>
+            </a:r>
+            <a:r>
+              <a:rPr lang="en-US" altLang="ko-KR" sz="800" dirty="0">
+                <a:solidFill>
+                  <a:schemeClr val="tx1"/>
+                </a:solidFill>
+                <a:latin typeface="맑은 고딕"/>
+              </a:rPr>
+              <a:t>(int) )</a:t>
+            </a:r>
+          </a:p>
+          <a:p>
+            <a:pPr algn="just">
+              <a:tabLst>
+                <a:tab pos="1736481" algn="l"/>
+              </a:tabLst>
+              <a:defRPr/>
+            </a:pPr>
+            <a:r>
+              <a:rPr lang="en-US" altLang="ko-KR" sz="800" dirty="0">
+                <a:solidFill>
+                  <a:schemeClr val="tx1"/>
+                </a:solidFill>
+                <a:latin typeface="맑은 고딕"/>
+              </a:rPr>
+              <a:t>  </a:t>
+            </a:r>
+          </a:p>
+          <a:p>
+            <a:pPr algn="just">
+              <a:tabLst>
+                <a:tab pos="1736481" algn="l"/>
+              </a:tabLst>
+              <a:defRPr/>
+            </a:pPr>
+            <a:r>
+              <a:rPr lang="en-US" altLang="ko-KR" sz="800" dirty="0">
+                <a:solidFill>
+                  <a:schemeClr val="tx1"/>
+                </a:solidFill>
+                <a:latin typeface="맑은 고딕"/>
+              </a:rPr>
+              <a:t>  </a:t>
+            </a:r>
+          </a:p>
+          <a:p>
+            <a:pPr algn="just">
+              <a:tabLst>
+                <a:tab pos="1736481" algn="l"/>
+              </a:tabLst>
+              <a:defRPr/>
+            </a:pPr>
+            <a:r>
+              <a:rPr lang="en-US" altLang="ko-KR" sz="800" dirty="0" err="1">
+                <a:solidFill>
+                  <a:schemeClr val="tx1"/>
+                </a:solidFill>
+                <a:latin typeface="맑은 고딕"/>
+              </a:rPr>
+              <a:t>merge_img</a:t>
+            </a:r>
+            <a:r>
+              <a:rPr lang="en-US" altLang="ko-KR" sz="800" dirty="0">
+                <a:solidFill>
+                  <a:schemeClr val="tx1"/>
+                </a:solidFill>
+                <a:latin typeface="맑은 고딕"/>
+              </a:rPr>
+              <a:t> =cv2.merge([</a:t>
+            </a:r>
+            <a:r>
+              <a:rPr lang="en-US" altLang="ko-KR" sz="800" dirty="0" err="1">
+                <a:solidFill>
+                  <a:schemeClr val="tx1"/>
+                </a:solidFill>
+                <a:latin typeface="맑은 고딕"/>
+              </a:rPr>
+              <a:t>color_arr</a:t>
+            </a:r>
+            <a:r>
+              <a:rPr lang="en-US" altLang="ko-KR" sz="800" dirty="0">
+                <a:solidFill>
+                  <a:schemeClr val="tx1"/>
+                </a:solidFill>
+                <a:latin typeface="맑은 고딕"/>
+              </a:rPr>
+              <a:t>[0], </a:t>
+            </a:r>
+            <a:r>
+              <a:rPr lang="en-US" altLang="ko-KR" sz="800" dirty="0" err="1">
+                <a:solidFill>
+                  <a:schemeClr val="tx1"/>
+                </a:solidFill>
+                <a:latin typeface="맑은 고딕"/>
+              </a:rPr>
+              <a:t>color_arr</a:t>
+            </a:r>
+            <a:r>
+              <a:rPr lang="en-US" altLang="ko-KR" sz="800" dirty="0">
+                <a:solidFill>
+                  <a:schemeClr val="tx1"/>
+                </a:solidFill>
+                <a:latin typeface="맑은 고딕"/>
+              </a:rPr>
+              <a:t>[1], </a:t>
+            </a:r>
+            <a:r>
+              <a:rPr lang="en-US" altLang="ko-KR" sz="800" dirty="0" err="1">
+                <a:solidFill>
+                  <a:schemeClr val="tx1"/>
+                </a:solidFill>
+                <a:latin typeface="맑은 고딕"/>
+              </a:rPr>
+              <a:t>color_arr</a:t>
+            </a:r>
+            <a:r>
+              <a:rPr lang="en-US" altLang="ko-KR" sz="800" dirty="0">
+                <a:solidFill>
+                  <a:schemeClr val="tx1"/>
+                </a:solidFill>
+                <a:latin typeface="맑은 고딕"/>
+              </a:rPr>
+              <a:t>[2]])</a:t>
+            </a:r>
+          </a:p>
+          <a:p>
+            <a:pPr algn="just">
+              <a:tabLst>
+                <a:tab pos="1736481" algn="l"/>
+              </a:tabLst>
+              <a:defRPr/>
+            </a:pPr>
+            <a:r>
+              <a:rPr lang="en-US" altLang="ko-KR" sz="800" dirty="0">
+                <a:solidFill>
+                  <a:schemeClr val="tx1"/>
+                </a:solidFill>
+                <a:latin typeface="맑은 고딕"/>
+              </a:rPr>
+              <a:t># </a:t>
+            </a:r>
+            <a:r>
+              <a:rPr lang="ko-KR" altLang="en-US" sz="800" dirty="0">
+                <a:solidFill>
+                  <a:schemeClr val="tx1"/>
+                </a:solidFill>
+                <a:latin typeface="맑은 고딕"/>
+              </a:rPr>
+              <a:t>값 비교용 </a:t>
+            </a:r>
+            <a:r>
+              <a:rPr lang="en-US" altLang="ko-KR" sz="800" dirty="0">
+                <a:solidFill>
+                  <a:schemeClr val="tx1"/>
+                </a:solidFill>
+                <a:latin typeface="맑은 고딕"/>
+              </a:rPr>
+              <a:t>: blur = cv2.GaussianBlur(</a:t>
+            </a:r>
+            <a:r>
+              <a:rPr lang="en-US" altLang="ko-KR" sz="800" dirty="0" err="1">
+                <a:solidFill>
+                  <a:schemeClr val="tx1"/>
+                </a:solidFill>
+                <a:latin typeface="맑은 고딕"/>
+              </a:rPr>
+              <a:t>im</a:t>
+            </a:r>
+            <a:r>
+              <a:rPr lang="en-US" altLang="ko-KR" sz="800" dirty="0">
+                <a:solidFill>
+                  <a:schemeClr val="tx1"/>
+                </a:solidFill>
+                <a:latin typeface="맑은 고딕"/>
+              </a:rPr>
+              <a:t>,(11,11),3)</a:t>
+            </a:r>
+          </a:p>
+          <a:p>
+            <a:pPr algn="just">
+              <a:tabLst>
+                <a:tab pos="1736481" algn="l"/>
+              </a:tabLst>
+              <a:defRPr/>
+            </a:pPr>
+            <a:endParaRPr lang="en-US" altLang="ko-KR" sz="800" dirty="0">
+              <a:solidFill>
+                <a:schemeClr val="tx1"/>
+              </a:solidFill>
+              <a:latin typeface="맑은 고딕"/>
+            </a:endParaRPr>
+          </a:p>
+          <a:p>
+            <a:pPr algn="just">
+              <a:tabLst>
+                <a:tab pos="1736481" algn="l"/>
+              </a:tabLst>
+              <a:defRPr/>
+            </a:pPr>
+            <a:r>
+              <a:rPr lang="en-US" altLang="ko-KR" sz="800" dirty="0" err="1">
+                <a:solidFill>
+                  <a:schemeClr val="tx1"/>
+                </a:solidFill>
+                <a:latin typeface="맑은 고딕"/>
+              </a:rPr>
+              <a:t>merge_img</a:t>
+            </a:r>
+            <a:r>
+              <a:rPr lang="en-US" altLang="ko-KR" sz="800" dirty="0">
+                <a:solidFill>
+                  <a:schemeClr val="tx1"/>
+                </a:solidFill>
+                <a:latin typeface="맑은 고딕"/>
+              </a:rPr>
+              <a:t> = (</a:t>
+            </a:r>
+            <a:r>
+              <a:rPr lang="en-US" altLang="ko-KR" sz="800" dirty="0" err="1">
+                <a:solidFill>
+                  <a:schemeClr val="tx1"/>
+                </a:solidFill>
+                <a:latin typeface="맑은 고딕"/>
+              </a:rPr>
+              <a:t>merge_img</a:t>
+            </a:r>
+            <a:r>
+              <a:rPr lang="en-US" altLang="ko-KR" sz="800" dirty="0">
+                <a:solidFill>
+                  <a:schemeClr val="tx1"/>
+                </a:solidFill>
+                <a:latin typeface="맑은 고딕"/>
+              </a:rPr>
+              <a:t> / 45).</a:t>
+            </a:r>
+            <a:r>
+              <a:rPr lang="en-US" altLang="ko-KR" sz="800" dirty="0" err="1">
+                <a:solidFill>
+                  <a:schemeClr val="tx1"/>
+                </a:solidFill>
+                <a:latin typeface="맑은 고딕"/>
+              </a:rPr>
+              <a:t>astype</a:t>
+            </a:r>
+            <a:r>
+              <a:rPr lang="en-US" altLang="ko-KR" sz="800" dirty="0">
+                <a:solidFill>
+                  <a:schemeClr val="tx1"/>
+                </a:solidFill>
+                <a:latin typeface="맑은 고딕"/>
+              </a:rPr>
+              <a:t>(int)</a:t>
+            </a:r>
+          </a:p>
+          <a:p>
+            <a:pPr algn="just">
+              <a:tabLst>
+                <a:tab pos="1736481" algn="l"/>
+              </a:tabLst>
+              <a:defRPr/>
+            </a:pPr>
+            <a:endParaRPr lang="en-US" altLang="ko-KR" sz="800" dirty="0">
+              <a:solidFill>
+                <a:schemeClr val="tx1"/>
+              </a:solidFill>
+              <a:latin typeface="맑은 고딕"/>
+            </a:endParaRPr>
+          </a:p>
+          <a:p>
+            <a:pPr algn="just">
+              <a:tabLst>
+                <a:tab pos="1736481" algn="l"/>
+              </a:tabLst>
+              <a:defRPr/>
+            </a:pPr>
+            <a:r>
+              <a:rPr lang="en-US" altLang="ko-KR" sz="800" dirty="0" err="1">
+                <a:solidFill>
+                  <a:schemeClr val="tx1"/>
+                </a:solidFill>
+                <a:latin typeface="맑은 고딕"/>
+              </a:rPr>
+              <a:t>pylab.figure</a:t>
+            </a:r>
+            <a:r>
+              <a:rPr lang="en-US" altLang="ko-KR" sz="800" dirty="0">
+                <a:solidFill>
+                  <a:schemeClr val="tx1"/>
+                </a:solidFill>
+                <a:latin typeface="맑은 고딕"/>
+              </a:rPr>
+              <a:t>(</a:t>
+            </a:r>
+            <a:r>
+              <a:rPr lang="en-US" altLang="ko-KR" sz="800" dirty="0" err="1">
+                <a:solidFill>
+                  <a:schemeClr val="tx1"/>
+                </a:solidFill>
+                <a:latin typeface="맑은 고딕"/>
+              </a:rPr>
+              <a:t>figsize</a:t>
+            </a:r>
+            <a:r>
+              <a:rPr lang="en-US" altLang="ko-KR" sz="800" dirty="0">
+                <a:solidFill>
+                  <a:schemeClr val="tx1"/>
+                </a:solidFill>
+                <a:latin typeface="맑은 고딕"/>
+              </a:rPr>
+              <a:t>=(10,5))</a:t>
+            </a:r>
+          </a:p>
+          <a:p>
+            <a:pPr algn="just">
+              <a:tabLst>
+                <a:tab pos="1736481" algn="l"/>
+              </a:tabLst>
+              <a:defRPr/>
+            </a:pPr>
+            <a:r>
+              <a:rPr lang="en-US" altLang="ko-KR" sz="800" dirty="0" err="1">
+                <a:solidFill>
+                  <a:schemeClr val="tx1"/>
+                </a:solidFill>
+                <a:latin typeface="맑은 고딕"/>
+              </a:rPr>
+              <a:t>pylab.subplot</a:t>
+            </a:r>
+            <a:r>
+              <a:rPr lang="en-US" altLang="ko-KR" sz="800" dirty="0">
+                <a:solidFill>
+                  <a:schemeClr val="tx1"/>
+                </a:solidFill>
+                <a:latin typeface="맑은 고딕"/>
+              </a:rPr>
+              <a:t>(1,2,1), </a:t>
+            </a:r>
+            <a:r>
+              <a:rPr lang="en-US" altLang="ko-KR" sz="800" dirty="0" err="1">
+                <a:solidFill>
+                  <a:schemeClr val="tx1"/>
+                </a:solidFill>
+                <a:latin typeface="맑은 고딕"/>
+              </a:rPr>
+              <a:t>pylab.imshow</a:t>
+            </a:r>
+            <a:r>
+              <a:rPr lang="en-US" altLang="ko-KR" sz="800" dirty="0">
+                <a:solidFill>
+                  <a:schemeClr val="tx1"/>
+                </a:solidFill>
+                <a:latin typeface="맑은 고딕"/>
+              </a:rPr>
+              <a:t>(</a:t>
+            </a:r>
+            <a:r>
+              <a:rPr lang="en-US" altLang="ko-KR" sz="800" dirty="0" err="1">
+                <a:solidFill>
+                  <a:schemeClr val="tx1"/>
+                </a:solidFill>
+                <a:latin typeface="맑은 고딕"/>
+              </a:rPr>
+              <a:t>im</a:t>
+            </a:r>
+            <a:r>
+              <a:rPr lang="en-US" altLang="ko-KR" sz="800" dirty="0">
+                <a:solidFill>
+                  <a:schemeClr val="tx1"/>
+                </a:solidFill>
+                <a:latin typeface="맑은 고딕"/>
+              </a:rPr>
+              <a:t>)</a:t>
+            </a:r>
+          </a:p>
+          <a:p>
+            <a:pPr algn="just">
+              <a:tabLst>
+                <a:tab pos="1736481" algn="l"/>
+              </a:tabLst>
+              <a:defRPr/>
+            </a:pPr>
+            <a:r>
+              <a:rPr lang="en-US" altLang="ko-KR" sz="800" dirty="0" err="1">
+                <a:solidFill>
+                  <a:schemeClr val="tx1"/>
+                </a:solidFill>
+                <a:latin typeface="맑은 고딕"/>
+              </a:rPr>
+              <a:t>pylab.title</a:t>
+            </a:r>
+            <a:r>
+              <a:rPr lang="en-US" altLang="ko-KR" sz="800" dirty="0">
+                <a:solidFill>
+                  <a:schemeClr val="tx1"/>
+                </a:solidFill>
+                <a:latin typeface="맑은 고딕"/>
+              </a:rPr>
+              <a:t>('Original', size=20)</a:t>
+            </a:r>
+          </a:p>
+          <a:p>
+            <a:pPr algn="just">
+              <a:tabLst>
+                <a:tab pos="1736481" algn="l"/>
+              </a:tabLst>
+              <a:defRPr/>
+            </a:pPr>
+            <a:r>
+              <a:rPr lang="en-US" altLang="ko-KR" sz="800" dirty="0" err="1">
+                <a:solidFill>
+                  <a:schemeClr val="tx1"/>
+                </a:solidFill>
+                <a:latin typeface="맑은 고딕"/>
+              </a:rPr>
+              <a:t>pylab.subplot</a:t>
+            </a:r>
+            <a:r>
+              <a:rPr lang="en-US" altLang="ko-KR" sz="800" dirty="0">
+                <a:solidFill>
+                  <a:schemeClr val="tx1"/>
+                </a:solidFill>
+                <a:latin typeface="맑은 고딕"/>
+              </a:rPr>
+              <a:t>(1,2,2), </a:t>
+            </a:r>
+            <a:r>
+              <a:rPr lang="en-US" altLang="ko-KR" sz="800" dirty="0" err="1">
+                <a:solidFill>
+                  <a:schemeClr val="tx1"/>
+                </a:solidFill>
+                <a:latin typeface="맑은 고딕"/>
+              </a:rPr>
+              <a:t>pylab.imshow</a:t>
+            </a:r>
+            <a:r>
+              <a:rPr lang="en-US" altLang="ko-KR" sz="800" dirty="0">
+                <a:solidFill>
+                  <a:schemeClr val="tx1"/>
+                </a:solidFill>
+                <a:latin typeface="맑은 고딕"/>
+              </a:rPr>
+              <a:t>( </a:t>
+            </a:r>
+            <a:r>
+              <a:rPr lang="en-US" altLang="ko-KR" sz="800" dirty="0" err="1">
+                <a:solidFill>
+                  <a:schemeClr val="tx1"/>
+                </a:solidFill>
+                <a:latin typeface="맑은 고딕"/>
+              </a:rPr>
+              <a:t>np.clip</a:t>
+            </a:r>
+            <a:r>
+              <a:rPr lang="en-US" altLang="ko-KR" sz="800" dirty="0">
+                <a:solidFill>
+                  <a:schemeClr val="tx1"/>
+                </a:solidFill>
+                <a:latin typeface="맑은 고딕"/>
+              </a:rPr>
+              <a:t>(</a:t>
+            </a:r>
+            <a:r>
+              <a:rPr lang="en-US" altLang="ko-KR" sz="800" dirty="0" err="1">
+                <a:solidFill>
+                  <a:schemeClr val="tx1"/>
+                </a:solidFill>
+                <a:latin typeface="맑은 고딕"/>
+              </a:rPr>
+              <a:t>merge_img</a:t>
+            </a:r>
+            <a:r>
+              <a:rPr lang="en-US" altLang="ko-KR" sz="800" dirty="0">
+                <a:solidFill>
+                  <a:schemeClr val="tx1"/>
+                </a:solidFill>
+                <a:latin typeface="맑은 고딕"/>
+              </a:rPr>
+              <a:t>, 0, 255) )</a:t>
+            </a:r>
+          </a:p>
+          <a:p>
+            <a:pPr algn="just">
+              <a:tabLst>
+                <a:tab pos="1736481" algn="l"/>
+              </a:tabLst>
+              <a:defRPr/>
+            </a:pPr>
+            <a:r>
+              <a:rPr lang="en-US" altLang="ko-KR" sz="800" dirty="0" err="1">
+                <a:solidFill>
+                  <a:schemeClr val="tx1"/>
+                </a:solidFill>
+                <a:latin typeface="맑은 고딕"/>
+              </a:rPr>
+              <a:t>pylab.title</a:t>
+            </a:r>
+            <a:r>
+              <a:rPr lang="en-US" altLang="ko-KR" sz="800" dirty="0">
+                <a:solidFill>
+                  <a:schemeClr val="tx1"/>
+                </a:solidFill>
+                <a:latin typeface="맑은 고딕"/>
+              </a:rPr>
+              <a:t>('Blur', size=20)</a:t>
+            </a:r>
+          </a:p>
+        </p:txBody>
+      </p:sp>
+      <p:sp>
+        <p:nvSpPr>
+          <p:cNvPr id="2" name="직사각형 1"/>
           <p:cNvSpPr/>
           <p:nvPr/>
         </p:nvSpPr>
@@ -3448,19 +6042,22 @@
           </a:bodyPr>
           <a:lstStyle/>
           <a:p>
-            <a:r>
-              <a:rPr lang="ko-KR" altLang="en-US" sz="1200" dirty="0">
+            <a:pPr lvl="0">
+              <a:defRPr/>
+            </a:pPr>
+            <a:r>
+              <a:rPr lang="ko-KR" altLang="en-US" sz="1200">
                 <a:latin typeface="+mn-ea"/>
               </a:rPr>
               <a:t>학번</a:t>
             </a:r>
             <a:r>
-              <a:rPr lang="en-US" altLang="ko-KR" sz="1200" dirty="0">
+              <a:rPr lang="en-US" altLang="ko-KR" sz="1200">
                 <a:latin typeface="+mn-ea"/>
               </a:rPr>
               <a:t>:</a:t>
             </a:r>
-            <a:endParaRPr lang="ko-Kore-KR" altLang="en-US" sz="1200" dirty="0">
+            <a:endParaRPr lang="ko-Kore-KR" altLang="en-US" sz="1200">
               <a:latin typeface="+mn-ea"/>
             </a:endParaRPr>
           </a:p>
@@ -3468,13 +6065,7 @@
       </p:sp>
       <p:sp>
         <p:nvSpPr>
-          <p:cNvPr id="11" name="직사각형 10">
-            <a:extLst>
-              <a:ext uri="{FF2B5EF4-FFF2-40B4-BE49-F238E27FC236}">
-                <a16:creationId xmlns:a16="http://schemas.microsoft.com/office/drawing/2014/main" id="{15EDF245-73CD-DF40-9EFF-CC3951A41B0A}"/>
-              </a:ext>
-            </a:extLst>
-          </p:cNvPr>
+          <p:cNvPr id="11" name="직사각형 10"/>
           <p:cNvSpPr/>
           <p:nvPr/>
         </p:nvSpPr>
@@ -3501,7 +6092,10 @@
           </a:bodyPr>
           <a:lstStyle/>
           <a:p>
-            <a:endParaRPr lang="ko-Kore-KR" altLang="en-US" sz="1200" dirty="0">
+            <a:pPr lvl="0">
+              <a:defRPr/>
+            </a:pPr>
+            <a:endParaRPr lang="ko-Kore-KR" altLang="en-US" sz="1200">
               <a:latin typeface="+mn-ea"/>
             </a:endParaRPr>
           </a:p>
@@ -3509,13 +6103,7 @@
       </p:sp>
       <p:sp>
         <p:nvSpPr>
-          <p:cNvPr id="12" name="직사각형 11">
-            <a:extLst>
-              <a:ext uri="{FF2B5EF4-FFF2-40B4-BE49-F238E27FC236}">
-                <a16:creationId xmlns:a16="http://schemas.microsoft.com/office/drawing/2014/main" id="{BAC00B10-0604-004D-A54A-D63FFEE1826A}"/>
-              </a:ext>
-            </a:extLst>
-          </p:cNvPr>
+          <p:cNvPr id="12" name="직사각형 11"/>
           <p:cNvSpPr/>
           <p:nvPr/>
         </p:nvSpPr>
@@ -3534,19 +6122,22 @@
           </a:bodyPr>
           <a:lstStyle/>
           <a:p>
-            <a:r>
-              <a:rPr lang="ko-KR" altLang="en-US" sz="1200" dirty="0">
+            <a:pPr lvl="0">
+              <a:defRPr/>
+            </a:pPr>
+            <a:r>
+              <a:rPr lang="ko-KR" altLang="en-US" sz="1200">
                 <a:latin typeface="+mn-ea"/>
               </a:rPr>
               <a:t>성명</a:t>
             </a:r>
             <a:r>
-              <a:rPr lang="en-US" altLang="ko-KR" sz="1200" dirty="0">
+              <a:rPr lang="en-US" altLang="ko-KR" sz="1200">
                 <a:latin typeface="+mn-ea"/>
               </a:rPr>
               <a:t>:</a:t>
             </a:r>
-            <a:endParaRPr lang="ko-Kore-KR" altLang="en-US" sz="1200" dirty="0">
+            <a:endParaRPr lang="ko-Kore-KR" altLang="en-US" sz="1200">
               <a:latin typeface="+mn-ea"/>
             </a:endParaRPr>
           </a:p>
@@ -3554,13 +6145,7 @@
       </p:sp>
       <p:sp>
         <p:nvSpPr>
-          <p:cNvPr id="13" name="직사각형 12">
-            <a:extLst>
-              <a:ext uri="{FF2B5EF4-FFF2-40B4-BE49-F238E27FC236}">
-                <a16:creationId xmlns:a16="http://schemas.microsoft.com/office/drawing/2014/main" id="{43B74840-0363-6F45-A91B-712E9184CD47}"/>
-              </a:ext>
-            </a:extLst>
-          </p:cNvPr>
+          <p:cNvPr id="13" name="직사각형 12"/>
           <p:cNvSpPr/>
           <p:nvPr/>
         </p:nvSpPr>
@@ -3587,7 +6172,10 @@
           </a:bodyPr>
           <a:lstStyle/>
           <a:p>
-            <a:endParaRPr lang="ko-Kore-KR" altLang="en-US" sz="1200" dirty="0">
+            <a:pPr lvl="0">
+              <a:defRPr/>
+            </a:pPr>
+            <a:endParaRPr lang="ko-Kore-KR" altLang="en-US" sz="1200">
               <a:latin typeface="+mn-ea"/>
             </a:endParaRPr>
           </a:p>
@@ -3595,26 +6183,14 @@
       </p:sp>
       <p:pic>
         <p:nvPicPr>
-          <p:cNvPr id="5" name="그림 4">
-            <a:extLst>
-              <a:ext uri="{FF2B5EF4-FFF2-40B4-BE49-F238E27FC236}">
-                <a16:creationId xmlns:a16="http://schemas.microsoft.com/office/drawing/2014/main" id="{21AF70E7-1A67-0F40-B432-CF3F1BA7633F}"/>
-              </a:ext>
-            </a:extLst>
-          </p:cNvPr>
+          <p:cNvPr id="5" name="그림 4"/>
           <p:cNvPicPr>
             <a:picLocks noChangeAspect="1"/>
           </p:cNvPicPr>
           <p:nvPr/>
         </p:nvPicPr>
-        <p:blipFill>
-          <a:blip r:embed="rId2">
-            <a:extLst>
-              <a:ext uri="{28A0092B-C50C-407E-A947-70E740481C1C}">
-                <a14:useLocalDpi xmlns:a14="http://schemas.microsoft.com/office/drawing/2010/main" val="0"/>
-              </a:ext>
-            </a:extLst>
-          </a:blip>
+        <p:blipFill rotWithShape="1">
+          <a:blip r:embed="rId2"/>
           <a:stretch>
             <a:fillRect/>
           </a:stretch>
@@ -3629,16 +6205,111 @@
           </a:prstGeom>
         </p:spPr>
       </p:pic>
+      <p:sp>
+        <p:nvSpPr>
+          <p:cNvPr id="14" name="TextBox 13"/>
+          <p:cNvSpPr txBox="1"/>
+          <p:nvPr/>
+        </p:nvSpPr>
+        <p:spPr>
+          <a:xfrm>
+            <a:off x="923191" y="562708"/>
+            <a:ext cx="1142853" cy="361510"/>
+          </a:xfrm>
+          <a:prstGeom prst="rect">
+            <a:avLst/>
+          </a:prstGeom>
+        </p:spPr>
+        <p:txBody>
+          <a:bodyPr wrap="none">
+            <a:spAutoFit/>
+          </a:bodyPr>
+          <a:lstStyle/>
+          <a:p>
+            <a:pPr>
+              <a:defRPr/>
+            </a:pPr>
+            <a:r>
+              <a:rPr lang="en-US" altLang="ko-KR"/>
+              <a:t>20193148</a:t>
+            </a:r>
+          </a:p>
+        </p:txBody>
+      </p:sp>
+      <p:sp>
+        <p:nvSpPr>
+          <p:cNvPr id="15" name="TextBox 14"/>
+          <p:cNvSpPr txBox="1"/>
+          <p:nvPr/>
+        </p:nvSpPr>
+        <p:spPr>
+          <a:xfrm>
+            <a:off x="3119803" y="571499"/>
+            <a:ext cx="1142853" cy="361510"/>
+          </a:xfrm>
+          <a:prstGeom prst="rect">
+            <a:avLst/>
+          </a:prstGeom>
+        </p:spPr>
+        <p:txBody>
+          <a:bodyPr wrap="square">
+            <a:spAutoFit/>
+          </a:bodyPr>
+          <a:lstStyle/>
+          <a:p>
+            <a:pPr>
+              <a:defRPr/>
+            </a:pPr>
+            <a:r>
+              <a:rPr lang="ko-KR" altLang="en-US"/>
+              <a:t>황진주</a:t>
+            </a:r>
+          </a:p>
+        </p:txBody>
+      </p:sp>
+      <p:pic>
+        <p:nvPicPr>
+          <p:cNvPr id="4" name="그림 3">
+            <a:extLst>
+              <a:ext uri="{FF2B5EF4-FFF2-40B4-BE49-F238E27FC236}">
+                <a16:creationId xmlns:a16="http://schemas.microsoft.com/office/drawing/2014/main" id="{82F1B8D3-E45B-49E7-B972-D0F0C36D04D3}"/>
+              </a:ext>
+            </a:extLst>
+          </p:cNvPr>
+          <p:cNvPicPr>
+            <a:picLocks noChangeAspect="1"/>
+          </p:cNvPicPr>
+          <p:nvPr/>
+        </p:nvPicPr>
+        <p:blipFill>
+          <a:blip r:embed="rId3"/>
+          <a:stretch>
+            <a:fillRect/>
+          </a:stretch>
+        </p:blipFill>
+        <p:spPr>
+          <a:xfrm>
+            <a:off x="2738376" y="871707"/>
+            <a:ext cx="4033533" cy="3636793"/>
+          </a:xfrm>
+          <a:prstGeom prst="rect">
+            <a:avLst/>
+          </a:prstGeom>
+        </p:spPr>
+      </p:pic>
     </p:spTree>
-    <p:extLst>
-      <p:ext uri="{BB962C8B-B14F-4D97-AF65-F5344CB8AC3E}">
-        <p14:creationId xmlns:p14="http://schemas.microsoft.com/office/powerpoint/2010/main" val="4021160439"/>
-      </p:ext>
-    </p:extLst>
   </p:cSld>
   <p:clrMapOvr>
     <a:masterClrMapping/>
   </p:clrMapOvr>
+  <mc:AlternateContent xmlns:mc="http://schemas.openxmlformats.org/markup-compatibility/2006" xmlns:p14="http://schemas.microsoft.com/office/powerpoint/2010/main">
+    <mc:Choice Requires="p14">
+      <p:transition/>
+    </mc:Choice>
+    <mc:Fallback xmlns:dsp="http://schemas.microsoft.com/office/drawing/2008/diagram" xmlns:dgm="http://schemas.openxmlformats.org/drawingml/2006/diagram" xmlns:c="http://schemas.openxmlformats.org/drawingml/2006/chart" xmlns="">
+      <p:transition/>
+    </mc:Fallback>
+  </mc:AlternateContent>
 </p:sld>
 </file>
 
@@ -3688,7 +6359,7 @@
         <a:latin typeface="Calibri Light" panose="020F0302020204030204"/>
         <a:ea typeface=""/>
         <a:cs typeface=""/>
-        <a:font script="Jpan" typeface="游ゴシック Light"/>
+        <a:font script="Jpan" typeface="Yu Gothic Light"/>
         <a:font script="Hang" typeface="맑은 고딕"/>
         <a:font script="Hans" typeface="等线 Light"/>
         <a:font script="Hant" typeface="新細明體"/>
@@ -3723,7 +6394,7 @@
         <a:latin typeface="Calibri" panose="020F0502020204030204"/>
         <a:ea typeface=""/>
         <a:cs typeface=""/>
-        <a:font script="Jpan" typeface="游ゴシック"/>
+        <a:font script="Jpan" typeface="Yu Gothic"/>
         <a:font script="Hang" typeface="맑은 고딕"/>
         <a:font script="Hans" typeface="等线"/>
         <a:font script="Hant" typeface="新細明體"/>
@@ -3819,21 +6490,21 @@
             <a:schemeClr val="phClr"/>
           </a:solidFill>
           <a:prstDash val="solid"/>
-          <a:miter lim="800000"/>
+          <a:miter/>
         </a:ln>
         <a:ln w="12700" cap="flat" cmpd="sng" algn="ctr">
           <a:solidFill>
             <a:schemeClr val="phClr"/>
           </a:solidFill>
           <a:prstDash val="solid"/>
-          <a:miter lim="800000"/>
+          <a:miter/>
         </a:ln>
         <a:ln w="19050" cap="flat" cmpd="sng" algn="ctr">
           <a:solidFill>
             <a:schemeClr val="phClr"/>
           </a:solidFill>
           <a:prstDash val="solid"/>
-          <a:miter lim="800000"/>
+          <a:miter/>
         </a:ln>
       </a:lnStyleLst>
       <a:effectStyleLst>
@@ -3895,10 +6566,5 @@
   </a:themeElements>
   <a:objectDefaults/>
   <a:extraClrSchemeLst/>
-  <a:extLst>
-    <a:ext uri="{05A4C25C-085E-4340-85A3-A5531E510DB2}">
-      <thm15:themeFamily xmlns:thm15="http://schemas.microsoft.com/office/thememl/2012/main" name="Office Theme" id="{62F939B6-93AF-4DB8-9C6B-D6C7DFDC589F}" vid="{4A3C46E8-61CC-4603-A589-7422A47A8E4A}"/>
-    </a:ext>
-  </a:extLst>
 </a:theme>
 </file>